--- a/Labels/labels.pptx
+++ b/Labels/labels.pptx
@@ -220,7 +220,7 @@
           <a:p>
             <a:fld id="{C0A3C964-1FDA-FF4D-B88A-82651D6186F1}" type="datetimeFigureOut">
               <a:rPr lang="en-US" smtClean="0"/>
-              <a:t>3/18/21</a:t>
+              <a:t>3/22/21</a:t>
             </a:fld>
             <a:endParaRPr lang="en-US"/>
           </a:p>
@@ -2732,7 +2732,7 @@
           <a:p>
             <a:fld id="{C9D9FE3B-EC58-5549-AF65-699B5C67D369}" type="datetimeFigureOut">
               <a:rPr lang="en-US" smtClean="0"/>
-              <a:t>3/18/21</a:t>
+              <a:t>3/22/21</a:t>
             </a:fld>
             <a:endParaRPr lang="en-US"/>
           </a:p>
@@ -2930,7 +2930,7 @@
           <a:p>
             <a:fld id="{C9D9FE3B-EC58-5549-AF65-699B5C67D369}" type="datetimeFigureOut">
               <a:rPr lang="en-US" smtClean="0"/>
-              <a:t>3/18/21</a:t>
+              <a:t>3/22/21</a:t>
             </a:fld>
             <a:endParaRPr lang="en-US"/>
           </a:p>
@@ -3138,7 +3138,7 @@
           <a:p>
             <a:fld id="{C9D9FE3B-EC58-5549-AF65-699B5C67D369}" type="datetimeFigureOut">
               <a:rPr lang="en-US" smtClean="0"/>
-              <a:t>3/18/21</a:t>
+              <a:t>3/22/21</a:t>
             </a:fld>
             <a:endParaRPr lang="en-US"/>
           </a:p>
@@ -3336,7 +3336,7 @@
           <a:p>
             <a:fld id="{C9D9FE3B-EC58-5549-AF65-699B5C67D369}" type="datetimeFigureOut">
               <a:rPr lang="en-US" smtClean="0"/>
-              <a:t>3/18/21</a:t>
+              <a:t>3/22/21</a:t>
             </a:fld>
             <a:endParaRPr lang="en-US"/>
           </a:p>
@@ -3611,7 +3611,7 @@
           <a:p>
             <a:fld id="{C9D9FE3B-EC58-5549-AF65-699B5C67D369}" type="datetimeFigureOut">
               <a:rPr lang="en-US" smtClean="0"/>
-              <a:t>3/18/21</a:t>
+              <a:t>3/22/21</a:t>
             </a:fld>
             <a:endParaRPr lang="en-US"/>
           </a:p>
@@ -3876,7 +3876,7 @@
           <a:p>
             <a:fld id="{C9D9FE3B-EC58-5549-AF65-699B5C67D369}" type="datetimeFigureOut">
               <a:rPr lang="en-US" smtClean="0"/>
-              <a:t>3/18/21</a:t>
+              <a:t>3/22/21</a:t>
             </a:fld>
             <a:endParaRPr lang="en-US"/>
           </a:p>
@@ -4288,7 +4288,7 @@
           <a:p>
             <a:fld id="{C9D9FE3B-EC58-5549-AF65-699B5C67D369}" type="datetimeFigureOut">
               <a:rPr lang="en-US" smtClean="0"/>
-              <a:t>3/18/21</a:t>
+              <a:t>3/22/21</a:t>
             </a:fld>
             <a:endParaRPr lang="en-US"/>
           </a:p>
@@ -4429,7 +4429,7 @@
           <a:p>
             <a:fld id="{C9D9FE3B-EC58-5549-AF65-699B5C67D369}" type="datetimeFigureOut">
               <a:rPr lang="en-US" smtClean="0"/>
-              <a:t>3/18/21</a:t>
+              <a:t>3/22/21</a:t>
             </a:fld>
             <a:endParaRPr lang="en-US"/>
           </a:p>
@@ -4542,7 +4542,7 @@
           <a:p>
             <a:fld id="{C9D9FE3B-EC58-5549-AF65-699B5C67D369}" type="datetimeFigureOut">
               <a:rPr lang="en-US" smtClean="0"/>
-              <a:t>3/18/21</a:t>
+              <a:t>3/22/21</a:t>
             </a:fld>
             <a:endParaRPr lang="en-US"/>
           </a:p>
@@ -4853,7 +4853,7 @@
           <a:p>
             <a:fld id="{C9D9FE3B-EC58-5549-AF65-699B5C67D369}" type="datetimeFigureOut">
               <a:rPr lang="en-US" smtClean="0"/>
-              <a:t>3/18/21</a:t>
+              <a:t>3/22/21</a:t>
             </a:fld>
             <a:endParaRPr lang="en-US"/>
           </a:p>
@@ -5141,7 +5141,7 @@
           <a:p>
             <a:fld id="{C9D9FE3B-EC58-5549-AF65-699B5C67D369}" type="datetimeFigureOut">
               <a:rPr lang="en-US" smtClean="0"/>
-              <a:t>3/18/21</a:t>
+              <a:t>3/22/21</a:t>
             </a:fld>
             <a:endParaRPr lang="en-US"/>
           </a:p>
@@ -5382,7 +5382,7 @@
           <a:p>
             <a:fld id="{C9D9FE3B-EC58-5549-AF65-699B5C67D369}" type="datetimeFigureOut">
               <a:rPr lang="en-US" smtClean="0"/>
-              <a:t>3/18/21</a:t>
+              <a:t>3/22/21</a:t>
             </a:fld>
             <a:endParaRPr lang="en-US"/>
           </a:p>
@@ -6290,8 +6290,8 @@
         </p:nvSpPr>
         <p:spPr>
           <a:xfrm>
-            <a:off x="5009948" y="5033202"/>
-            <a:ext cx="2165979" cy="1200329"/>
+            <a:off x="4267760" y="5033202"/>
+            <a:ext cx="3650358" cy="1754326"/>
           </a:xfrm>
           <a:prstGeom prst="rect">
             <a:avLst/>
@@ -6306,7 +6306,10 @@
           <a:p>
             <a:pPr algn="ctr"/>
             <a:r>
-              <a:rPr lang="en-US" sz="7200" b="1" dirty="0"/>
+              <a:rPr lang="en-US" sz="10800" dirty="0">
+                <a:latin typeface="Times New Roman" panose="02020603050405020304" pitchFamily="18" charset="0"/>
+                <a:cs typeface="Times New Roman" panose="02020603050405020304" pitchFamily="18" charset="0"/>
+              </a:rPr>
               <a:t>SURF</a:t>
             </a:r>
           </a:p>
@@ -7136,8 +7139,8 @@
         </p:nvSpPr>
         <p:spPr>
           <a:xfrm>
-            <a:off x="4953041" y="5033202"/>
-            <a:ext cx="2279791" cy="1200329"/>
+            <a:off x="4307833" y="5033202"/>
+            <a:ext cx="3570208" cy="1754326"/>
           </a:xfrm>
           <a:prstGeom prst="rect">
             <a:avLst/>
@@ -7152,7 +7155,10 @@
           <a:p>
             <a:pPr algn="ctr"/>
             <a:r>
-              <a:rPr lang="en-US" sz="7200" b="1" dirty="0"/>
+              <a:rPr lang="en-US" sz="10800" dirty="0">
+                <a:latin typeface="Times New Roman" panose="02020603050405020304" pitchFamily="18" charset="0"/>
+                <a:cs typeface="Times New Roman" panose="02020603050405020304" pitchFamily="18" charset="0"/>
+              </a:rPr>
               <a:t>DIM‡</a:t>
             </a:r>
           </a:p>
@@ -7968,8 +7974,8 @@
         </p:nvSpPr>
         <p:spPr>
           <a:xfrm>
-            <a:off x="5183073" y="5033202"/>
-            <a:ext cx="1819729" cy="1200329"/>
+            <a:off x="4654082" y="5033202"/>
+            <a:ext cx="2877712" cy="1754326"/>
           </a:xfrm>
           <a:prstGeom prst="rect">
             <a:avLst/>
@@ -7984,7 +7990,10 @@
           <a:p>
             <a:pPr algn="ctr"/>
             <a:r>
-              <a:rPr lang="en-US" sz="7200" b="1" dirty="0"/>
+              <a:rPr lang="en-US" sz="10800" dirty="0">
+                <a:latin typeface="Times New Roman" panose="02020603050405020304" pitchFamily="18" charset="0"/>
+                <a:cs typeface="Times New Roman" panose="02020603050405020304" pitchFamily="18" charset="0"/>
+              </a:rPr>
               <a:t>DIM</a:t>
             </a:r>
           </a:p>
@@ -8774,8 +8783,8 @@
         </p:nvSpPr>
         <p:spPr>
           <a:xfrm>
-            <a:off x="4973080" y="5033202"/>
-            <a:ext cx="2239716" cy="1200329"/>
+            <a:off x="4191617" y="5033202"/>
+            <a:ext cx="3802644" cy="1754326"/>
           </a:xfrm>
           <a:prstGeom prst="rect">
             <a:avLst/>
@@ -8790,7 +8799,10 @@
           <a:p>
             <a:pPr algn="ctr"/>
             <a:r>
-              <a:rPr lang="en-US" sz="7200" b="1" dirty="0"/>
+              <a:rPr lang="en-US" sz="10800" dirty="0">
+                <a:latin typeface="Times New Roman" panose="02020603050405020304" pitchFamily="18" charset="0"/>
+                <a:cs typeface="Times New Roman" panose="02020603050405020304" pitchFamily="18" charset="0"/>
+              </a:rPr>
               <a:t>DSRB</a:t>
             </a:r>
           </a:p>
@@ -9690,8 +9702,8 @@
         </p:nvSpPr>
         <p:spPr>
           <a:xfrm>
-            <a:off x="4286482" y="5033202"/>
-            <a:ext cx="3612912" cy="1200329"/>
+            <a:off x="3024887" y="5033202"/>
+            <a:ext cx="6136103" cy="1754326"/>
           </a:xfrm>
           <a:prstGeom prst="rect">
             <a:avLst/>
@@ -9706,7 +9718,10 @@
           <a:p>
             <a:pPr algn="ctr"/>
             <a:r>
-              <a:rPr lang="en-US" sz="7200" b="1" dirty="0"/>
+              <a:rPr lang="en-US" sz="10800" dirty="0">
+                <a:latin typeface="Times New Roman" panose="02020603050405020304" pitchFamily="18" charset="0"/>
+                <a:cs typeface="Times New Roman" panose="02020603050405020304" pitchFamily="18" charset="0"/>
+              </a:rPr>
               <a:t>XT-CMC‡</a:t>
             </a:r>
           </a:p>
@@ -10606,8 +10621,8 @@
         </p:nvSpPr>
         <p:spPr>
           <a:xfrm>
-            <a:off x="4516513" y="5033202"/>
-            <a:ext cx="3152850" cy="1200329"/>
+            <a:off x="3371135" y="5033202"/>
+            <a:ext cx="5443606" cy="1754326"/>
           </a:xfrm>
           <a:prstGeom prst="rect">
             <a:avLst/>
@@ -10622,7 +10637,10 @@
           <a:p>
             <a:pPr algn="ctr"/>
             <a:r>
-              <a:rPr lang="en-US" sz="7200" b="1" dirty="0"/>
+              <a:rPr lang="en-US" sz="10800" dirty="0">
+                <a:latin typeface="Times New Roman" panose="02020603050405020304" pitchFamily="18" charset="0"/>
+                <a:cs typeface="Times New Roman" panose="02020603050405020304" pitchFamily="18" charset="0"/>
+              </a:rPr>
               <a:t>XT-CMC</a:t>
             </a:r>
           </a:p>
@@ -11247,8 +11265,8 @@
         </p:nvSpPr>
         <p:spPr>
           <a:xfrm>
-            <a:off x="4361020" y="5033202"/>
-            <a:ext cx="3463833" cy="1200329"/>
+            <a:off x="3217246" y="5033202"/>
+            <a:ext cx="5751382" cy="1754326"/>
           </a:xfrm>
           <a:prstGeom prst="rect">
             <a:avLst/>
@@ -11263,7 +11281,10 @@
           <a:p>
             <a:pPr algn="ctr"/>
             <a:r>
-              <a:rPr lang="en-US" sz="7200" b="1" dirty="0"/>
+              <a:rPr lang="en-US" sz="10800" dirty="0">
+                <a:latin typeface="Times New Roman" panose="02020603050405020304" pitchFamily="18" charset="0"/>
+                <a:cs typeface="Times New Roman" panose="02020603050405020304" pitchFamily="18" charset="0"/>
+              </a:rPr>
               <a:t>XT-DIM‡</a:t>
             </a:r>
           </a:p>
@@ -12212,8 +12233,8 @@
         </p:nvSpPr>
         <p:spPr>
           <a:xfrm>
-            <a:off x="4591053" y="5033202"/>
-            <a:ext cx="3003771" cy="1200329"/>
+            <a:off x="3116002" y="5033202"/>
+            <a:ext cx="5953874" cy="1754326"/>
           </a:xfrm>
           <a:prstGeom prst="rect">
             <a:avLst/>
@@ -12228,8 +12249,11 @@
           <a:p>
             <a:pPr algn="ctr"/>
             <a:r>
-              <a:rPr lang="en-US" sz="7200" b="1" dirty="0"/>
-              <a:t>XT-DIM</a:t>
+              <a:rPr lang="en-US" sz="10800" dirty="0">
+                <a:latin typeface="Times New Roman" panose="02020603050405020304" pitchFamily="18" charset="0"/>
+                <a:cs typeface="Times New Roman" panose="02020603050405020304" pitchFamily="18" charset="0"/>
+              </a:rPr>
+              <a:t>X-DIM-A</a:t>
             </a:r>
           </a:p>
         </p:txBody>
@@ -13039,8 +13063,8 @@
         </p:nvSpPr>
         <p:spPr>
           <a:xfrm>
-            <a:off x="4591053" y="5033202"/>
-            <a:ext cx="3003771" cy="1200329"/>
+            <a:off x="3154474" y="5033202"/>
+            <a:ext cx="5876930" cy="1754326"/>
           </a:xfrm>
           <a:prstGeom prst="rect">
             <a:avLst/>
@@ -13055,8 +13079,11 @@
           <a:p>
             <a:pPr algn="ctr"/>
             <a:r>
-              <a:rPr lang="en-US" sz="7200" b="1" dirty="0"/>
-              <a:t>XT-DIM</a:t>
+              <a:rPr lang="en-US" sz="10800" dirty="0">
+                <a:latin typeface="Times New Roman" panose="02020603050405020304" pitchFamily="18" charset="0"/>
+                <a:cs typeface="Times New Roman" panose="02020603050405020304" pitchFamily="18" charset="0"/>
+              </a:rPr>
+              <a:t>X-DIM-B</a:t>
             </a:r>
           </a:p>
         </p:txBody>
@@ -13866,8 +13893,8 @@
         </p:nvSpPr>
         <p:spPr>
           <a:xfrm>
-            <a:off x="4381060" y="5033202"/>
-            <a:ext cx="3423758" cy="1200329"/>
+            <a:off x="3101030" y="5033202"/>
+            <a:ext cx="5983819" cy="1754326"/>
           </a:xfrm>
           <a:prstGeom prst="rect">
             <a:avLst/>
@@ -13882,7 +13909,10 @@
           <a:p>
             <a:pPr algn="ctr"/>
             <a:r>
-              <a:rPr lang="en-US" sz="7200" b="1" dirty="0"/>
+              <a:rPr lang="en-US" sz="10800" dirty="0">
+                <a:latin typeface="Times New Roman" panose="02020603050405020304" pitchFamily="18" charset="0"/>
+                <a:cs typeface="Times New Roman" panose="02020603050405020304" pitchFamily="18" charset="0"/>
+              </a:rPr>
               <a:t>XT-DSRB</a:t>
             </a:r>
           </a:p>
@@ -14501,8 +14531,8 @@
         </p:nvSpPr>
         <p:spPr>
           <a:xfrm>
-            <a:off x="4187898" y="5033202"/>
-            <a:ext cx="3810081" cy="1200329"/>
+            <a:off x="2716309" y="5033202"/>
+            <a:ext cx="6753259" cy="1754326"/>
           </a:xfrm>
           <a:prstGeom prst="rect">
             <a:avLst/>
@@ -14517,7 +14547,10 @@
           <a:p>
             <a:pPr algn="ctr"/>
             <a:r>
-              <a:rPr lang="en-US" sz="7200" b="1" dirty="0"/>
+              <a:rPr lang="en-US" sz="10800" dirty="0">
+                <a:latin typeface="Times New Roman" panose="02020603050405020304" pitchFamily="18" charset="0"/>
+                <a:cs typeface="Times New Roman" panose="02020603050405020304" pitchFamily="18" charset="0"/>
+              </a:rPr>
               <a:t>XT-SURF‡</a:t>
             </a:r>
           </a:p>
@@ -15195,8 +15228,8 @@
         </p:nvSpPr>
         <p:spPr>
           <a:xfrm>
-            <a:off x="5012705" y="5033202"/>
-            <a:ext cx="2160463" cy="1200329"/>
+            <a:off x="4229286" y="5033202"/>
+            <a:ext cx="3727302" cy="1754326"/>
           </a:xfrm>
           <a:prstGeom prst="rect">
             <a:avLst/>
@@ -15211,7 +15244,10 @@
           <a:p>
             <a:pPr algn="ctr"/>
             <a:r>
-              <a:rPr lang="en-US" sz="7200" b="1" dirty="0"/>
+              <a:rPr lang="en-US" sz="10800" dirty="0">
+                <a:latin typeface="Times New Roman" panose="02020603050405020304" pitchFamily="18" charset="0"/>
+                <a:cs typeface="Times New Roman" panose="02020603050405020304" pitchFamily="18" charset="0"/>
+              </a:rPr>
               <a:t>PHYS</a:t>
             </a:r>
           </a:p>
@@ -15777,8 +15813,8 @@
         </p:nvSpPr>
         <p:spPr>
           <a:xfrm>
-            <a:off x="4417928" y="5033202"/>
-            <a:ext cx="3350021" cy="1200329"/>
+            <a:off x="3062558" y="5033202"/>
+            <a:ext cx="6060762" cy="1754326"/>
           </a:xfrm>
           <a:prstGeom prst="rect">
             <a:avLst/>
@@ -15793,7 +15829,10 @@
           <a:p>
             <a:pPr algn="ctr"/>
             <a:r>
-              <a:rPr lang="en-US" sz="7200" b="1" dirty="0"/>
+              <a:rPr lang="en-US" sz="10800" dirty="0">
+                <a:latin typeface="Times New Roman" panose="02020603050405020304" pitchFamily="18" charset="0"/>
+                <a:cs typeface="Times New Roman" panose="02020603050405020304" pitchFamily="18" charset="0"/>
+              </a:rPr>
               <a:t>XT-SURF</a:t>
             </a:r>
           </a:p>
@@ -16537,8 +16576,8 @@
         </p:nvSpPr>
         <p:spPr>
           <a:xfrm>
-            <a:off x="4121372" y="5033202"/>
-            <a:ext cx="3943131" cy="1200329"/>
+            <a:off x="2640166" y="5033202"/>
+            <a:ext cx="6905545" cy="1754326"/>
           </a:xfrm>
           <a:prstGeom prst="rect">
             <a:avLst/>
@@ -16553,7 +16592,10 @@
           <a:p>
             <a:pPr algn="ctr"/>
             <a:r>
-              <a:rPr lang="en-US" sz="7200" b="1" dirty="0"/>
+              <a:rPr lang="en-US" sz="10800" dirty="0">
+                <a:latin typeface="Times New Roman" panose="02020603050405020304" pitchFamily="18" charset="0"/>
+                <a:cs typeface="Times New Roman" panose="02020603050405020304" pitchFamily="18" charset="0"/>
+              </a:rPr>
               <a:t>XT-DHAL‡</a:t>
             </a:r>
           </a:p>
@@ -17297,8 +17339,8 @@
         </p:nvSpPr>
         <p:spPr>
           <a:xfrm>
-            <a:off x="4351403" y="5033202"/>
-            <a:ext cx="3483069" cy="1200329"/>
+            <a:off x="2870998" y="5033202"/>
+            <a:ext cx="6443880" cy="1754326"/>
           </a:xfrm>
           <a:prstGeom prst="rect">
             <a:avLst/>
@@ -17313,7 +17355,10 @@
           <a:p>
             <a:pPr algn="ctr"/>
             <a:r>
-              <a:rPr lang="en-US" sz="7200" b="1" dirty="0"/>
+              <a:rPr lang="en-US" sz="10800" dirty="0">
+                <a:latin typeface="Times New Roman" panose="02020603050405020304" pitchFamily="18" charset="0"/>
+                <a:cs typeface="Times New Roman" panose="02020603050405020304" pitchFamily="18" charset="0"/>
+              </a:rPr>
               <a:t>XT-DHAL</a:t>
             </a:r>
           </a:p>
@@ -17826,8 +17871,8 @@
         </p:nvSpPr>
         <p:spPr>
           <a:xfrm>
-            <a:off x="3976301" y="5033202"/>
-            <a:ext cx="4233275" cy="1200329"/>
+            <a:off x="2293918" y="5033202"/>
+            <a:ext cx="7598042" cy="1754326"/>
           </a:xfrm>
           <a:prstGeom prst="rect">
             <a:avLst/>
@@ -17842,7 +17887,10 @@
           <a:p>
             <a:pPr algn="ctr"/>
             <a:r>
-              <a:rPr lang="en-US" sz="7200" b="1" dirty="0"/>
+              <a:rPr lang="en-US" sz="10800" dirty="0">
+                <a:latin typeface="Times New Roman" panose="02020603050405020304" pitchFamily="18" charset="0"/>
+                <a:cs typeface="Times New Roman" panose="02020603050405020304" pitchFamily="18" charset="0"/>
+              </a:rPr>
               <a:t>XT-DHAL-2</a:t>
             </a:r>
           </a:p>
@@ -19169,8 +19217,8 @@
         </p:nvSpPr>
         <p:spPr>
           <a:xfrm>
-            <a:off x="4300107" y="5033202"/>
-            <a:ext cx="3585662" cy="1200329"/>
+            <a:off x="3061756" y="5033202"/>
+            <a:ext cx="6062365" cy="1754326"/>
           </a:xfrm>
           <a:prstGeom prst="rect">
             <a:avLst/>
@@ -19185,7 +19233,10 @@
           <a:p>
             <a:pPr algn="ctr"/>
             <a:r>
-              <a:rPr lang="en-US" sz="7200" b="1" dirty="0"/>
+              <a:rPr lang="en-US" sz="10800" dirty="0">
+                <a:latin typeface="Times New Roman" panose="02020603050405020304" pitchFamily="18" charset="0"/>
+                <a:cs typeface="Times New Roman" panose="02020603050405020304" pitchFamily="18" charset="0"/>
+              </a:rPr>
               <a:t>XT-DISP‡</a:t>
             </a:r>
           </a:p>
@@ -19936,8 +19987,8 @@
         </p:nvSpPr>
         <p:spPr>
           <a:xfrm>
-            <a:off x="4639398" y="5033202"/>
-            <a:ext cx="2907078" cy="1200329"/>
+            <a:off x="3652205" y="5033202"/>
+            <a:ext cx="4881466" cy="1754326"/>
           </a:xfrm>
           <a:prstGeom prst="rect">
             <a:avLst/>
@@ -19952,7 +20003,10 @@
           <a:p>
             <a:pPr algn="ctr"/>
             <a:r>
-              <a:rPr lang="en-US" sz="7200" b="1" dirty="0"/>
+              <a:rPr lang="en-US" sz="10800" dirty="0">
+                <a:latin typeface="Times New Roman" panose="02020603050405020304" pitchFamily="18" charset="0"/>
+                <a:cs typeface="Times New Roman" panose="02020603050405020304" pitchFamily="18" charset="0"/>
+              </a:rPr>
               <a:t>PHYS-2</a:t>
             </a:r>
           </a:p>
@@ -20630,8 +20684,8 @@
         </p:nvSpPr>
         <p:spPr>
           <a:xfrm>
-            <a:off x="4713393" y="5033202"/>
-            <a:ext cx="2759089" cy="1200329"/>
+            <a:off x="3730753" y="5033202"/>
+            <a:ext cx="4724370" cy="1754326"/>
           </a:xfrm>
           <a:prstGeom prst="rect">
             <a:avLst/>
@@ -20646,7 +20700,10 @@
           <a:p>
             <a:pPr algn="ctr"/>
             <a:r>
-              <a:rPr lang="en-US" sz="7200" b="1" dirty="0"/>
+              <a:rPr lang="en-US" sz="10800" dirty="0">
+                <a:latin typeface="Times New Roman" panose="02020603050405020304" pitchFamily="18" charset="0"/>
+                <a:cs typeface="Times New Roman" panose="02020603050405020304" pitchFamily="18" charset="0"/>
+              </a:rPr>
               <a:t>DHAL‡</a:t>
             </a:r>
           </a:p>
@@ -21573,8 +21630,8 @@
         </p:nvSpPr>
         <p:spPr>
           <a:xfrm>
-            <a:off x="4713393" y="5033202"/>
-            <a:ext cx="2759089" cy="1200329"/>
+            <a:off x="3730752" y="5033202"/>
+            <a:ext cx="4724371" cy="1754326"/>
           </a:xfrm>
           <a:prstGeom prst="rect">
             <a:avLst/>
@@ -21589,7 +21646,10 @@
           <a:p>
             <a:pPr algn="ctr"/>
             <a:r>
-              <a:rPr lang="en-US" sz="7200" b="1" dirty="0"/>
+              <a:rPr lang="en-US" sz="10800" dirty="0">
+                <a:latin typeface="Times New Roman" panose="02020603050405020304" pitchFamily="18" charset="0"/>
+                <a:cs typeface="Times New Roman" panose="02020603050405020304" pitchFamily="18" charset="0"/>
+              </a:rPr>
               <a:t>DHAL‡</a:t>
             </a:r>
           </a:p>
@@ -22449,8 +22509,8 @@
         </p:nvSpPr>
         <p:spPr>
           <a:xfrm>
-            <a:off x="4943424" y="5033202"/>
-            <a:ext cx="2299026" cy="1200329"/>
+            <a:off x="4077001" y="5033202"/>
+            <a:ext cx="4031873" cy="1754326"/>
           </a:xfrm>
           <a:prstGeom prst="rect">
             <a:avLst/>
@@ -22465,7 +22525,10 @@
           <a:p>
             <a:pPr algn="ctr"/>
             <a:r>
-              <a:rPr lang="en-US" sz="7200" b="1" dirty="0"/>
+              <a:rPr lang="en-US" sz="10800" dirty="0">
+                <a:latin typeface="Times New Roman" panose="02020603050405020304" pitchFamily="18" charset="0"/>
+                <a:cs typeface="Times New Roman" panose="02020603050405020304" pitchFamily="18" charset="0"/>
+              </a:rPr>
               <a:t>DHAL</a:t>
             </a:r>
           </a:p>
@@ -23300,8 +23363,8 @@
         </p:nvSpPr>
         <p:spPr>
           <a:xfrm>
-            <a:off x="4943424" y="5033202"/>
-            <a:ext cx="2299026" cy="1200329"/>
+            <a:off x="4077001" y="5033202"/>
+            <a:ext cx="4031873" cy="1754326"/>
           </a:xfrm>
           <a:prstGeom prst="rect">
             <a:avLst/>
@@ -23316,7 +23379,10 @@
           <a:p>
             <a:pPr algn="ctr"/>
             <a:r>
-              <a:rPr lang="en-US" sz="7200" b="1" dirty="0"/>
+              <a:rPr lang="en-US" sz="10800" dirty="0">
+                <a:latin typeface="Times New Roman" panose="02020603050405020304" pitchFamily="18" charset="0"/>
+                <a:cs typeface="Times New Roman" panose="02020603050405020304" pitchFamily="18" charset="0"/>
+              </a:rPr>
               <a:t>DHAL</a:t>
             </a:r>
           </a:p>
@@ -24217,8 +24283,8 @@
         </p:nvSpPr>
         <p:spPr>
           <a:xfrm>
-            <a:off x="4568321" y="5033202"/>
-            <a:ext cx="3049233" cy="1200329"/>
+            <a:off x="3499920" y="5033202"/>
+            <a:ext cx="5186036" cy="1754326"/>
           </a:xfrm>
           <a:prstGeom prst="rect">
             <a:avLst/>
@@ -24233,7 +24299,10 @@
           <a:p>
             <a:pPr algn="ctr"/>
             <a:r>
-              <a:rPr lang="en-US" sz="7200" b="1" dirty="0"/>
+              <a:rPr lang="en-US" sz="10800" dirty="0">
+                <a:latin typeface="Times New Roman" panose="02020603050405020304" pitchFamily="18" charset="0"/>
+                <a:cs typeface="Times New Roman" panose="02020603050405020304" pitchFamily="18" charset="0"/>
+              </a:rPr>
               <a:t>DHAL-2</a:t>
             </a:r>
           </a:p>
@@ -25133,8 +25202,8 @@
         </p:nvSpPr>
         <p:spPr>
           <a:xfrm>
-            <a:off x="5108533" y="5033202"/>
-            <a:ext cx="1968809" cy="1200329"/>
+            <a:off x="4461722" y="5033202"/>
+            <a:ext cx="3262432" cy="1754326"/>
           </a:xfrm>
           <a:prstGeom prst="rect">
             <a:avLst/>
@@ -25149,7 +25218,10 @@
           <a:p>
             <a:pPr algn="ctr"/>
             <a:r>
-              <a:rPr lang="en-US" sz="7200" b="1" dirty="0"/>
+              <a:rPr lang="en-US" sz="10800" dirty="0">
+                <a:latin typeface="Times New Roman" panose="02020603050405020304" pitchFamily="18" charset="0"/>
+                <a:cs typeface="Times New Roman" panose="02020603050405020304" pitchFamily="18" charset="0"/>
+              </a:rPr>
               <a:t>CMC</a:t>
             </a:r>
           </a:p>

--- a/Labels/labels.pptx
+++ b/Labels/labels.pptx
@@ -9702,8 +9702,8 @@
         </p:nvSpPr>
         <p:spPr>
           <a:xfrm>
-            <a:off x="3024887" y="5033202"/>
-            <a:ext cx="6136103" cy="1754326"/>
+            <a:off x="3384505" y="5033202"/>
+            <a:ext cx="5416868" cy="1754326"/>
           </a:xfrm>
           <a:prstGeom prst="rect">
             <a:avLst/>
@@ -9717,12 +9717,19 @@
           <a:lstStyle/>
           <a:p>
             <a:pPr algn="ctr"/>
+            <a:r>
+              <a:rPr lang="en-US" sz="10800">
+                <a:latin typeface="Times New Roman" panose="02020603050405020304" pitchFamily="18" charset="0"/>
+                <a:cs typeface="Times New Roman" panose="02020603050405020304" pitchFamily="18" charset="0"/>
+              </a:rPr>
+              <a:t>X-CMC</a:t>
+            </a:r>
             <a:r>
               <a:rPr lang="en-US" sz="10800" dirty="0">
                 <a:latin typeface="Times New Roman" panose="02020603050405020304" pitchFamily="18" charset="0"/>
                 <a:cs typeface="Times New Roman" panose="02020603050405020304" pitchFamily="18" charset="0"/>
               </a:rPr>
-              <a:t>XT-CMC‡</a:t>
+              <a:t>‡</a:t>
             </a:r>
           </a:p>
         </p:txBody>
@@ -10621,8 +10628,8 @@
         </p:nvSpPr>
         <p:spPr>
           <a:xfrm>
-            <a:off x="3371135" y="5033202"/>
-            <a:ext cx="5443606" cy="1754326"/>
+            <a:off x="3730753" y="5033202"/>
+            <a:ext cx="4724370" cy="1754326"/>
           </a:xfrm>
           <a:prstGeom prst="rect">
             <a:avLst/>
@@ -10641,7 +10648,7 @@
                 <a:latin typeface="Times New Roman" panose="02020603050405020304" pitchFamily="18" charset="0"/>
                 <a:cs typeface="Times New Roman" panose="02020603050405020304" pitchFamily="18" charset="0"/>
               </a:rPr>
-              <a:t>XT-CMC</a:t>
+              <a:t>X-CMC</a:t>
             </a:r>
           </a:p>
         </p:txBody>
@@ -11265,8 +11272,8 @@
         </p:nvSpPr>
         <p:spPr>
           <a:xfrm>
-            <a:off x="3217246" y="5033202"/>
-            <a:ext cx="5751382" cy="1754326"/>
+            <a:off x="3576863" y="5033202"/>
+            <a:ext cx="5032147" cy="1754326"/>
           </a:xfrm>
           <a:prstGeom prst="rect">
             <a:avLst/>
@@ -11285,7 +11292,7 @@
                 <a:latin typeface="Times New Roman" panose="02020603050405020304" pitchFamily="18" charset="0"/>
                 <a:cs typeface="Times New Roman" panose="02020603050405020304" pitchFamily="18" charset="0"/>
               </a:rPr>
-              <a:t>XT-DIM‡</a:t>
+              <a:t>X-DIM‡</a:t>
             </a:r>
           </a:p>
         </p:txBody>
@@ -13893,8 +13900,8 @@
         </p:nvSpPr>
         <p:spPr>
           <a:xfrm>
-            <a:off x="3101030" y="5033202"/>
-            <a:ext cx="5983819" cy="1754326"/>
+            <a:off x="3460648" y="5033202"/>
+            <a:ext cx="5264583" cy="1754326"/>
           </a:xfrm>
           <a:prstGeom prst="rect">
             <a:avLst/>
@@ -13913,7 +13920,7 @@
                 <a:latin typeface="Times New Roman" panose="02020603050405020304" pitchFamily="18" charset="0"/>
                 <a:cs typeface="Times New Roman" panose="02020603050405020304" pitchFamily="18" charset="0"/>
               </a:rPr>
-              <a:t>XT-DSRB</a:t>
+              <a:t>X-DSRB</a:t>
             </a:r>
           </a:p>
         </p:txBody>
@@ -14531,8 +14538,8 @@
         </p:nvSpPr>
         <p:spPr>
           <a:xfrm>
-            <a:off x="2716309" y="5033202"/>
-            <a:ext cx="6753259" cy="1754326"/>
+            <a:off x="3190541" y="5033202"/>
+            <a:ext cx="5804794" cy="1754326"/>
           </a:xfrm>
           <a:prstGeom prst="rect">
             <a:avLst/>
@@ -14551,7 +14558,7 @@
                 <a:latin typeface="Times New Roman" panose="02020603050405020304" pitchFamily="18" charset="0"/>
                 <a:cs typeface="Times New Roman" panose="02020603050405020304" pitchFamily="18" charset="0"/>
               </a:rPr>
-              <a:t>XT-SURF‡</a:t>
+              <a:t>X-SURF‡</a:t>
             </a:r>
           </a:p>
         </p:txBody>
@@ -15813,8 +15820,8 @@
         </p:nvSpPr>
         <p:spPr>
           <a:xfrm>
-            <a:off x="3062558" y="5033202"/>
-            <a:ext cx="6060762" cy="1754326"/>
+            <a:off x="3536790" y="5033202"/>
+            <a:ext cx="5112297" cy="1754326"/>
           </a:xfrm>
           <a:prstGeom prst="rect">
             <a:avLst/>
@@ -15833,7 +15840,7 @@
                 <a:latin typeface="Times New Roman" panose="02020603050405020304" pitchFamily="18" charset="0"/>
                 <a:cs typeface="Times New Roman" panose="02020603050405020304" pitchFamily="18" charset="0"/>
               </a:rPr>
-              <a:t>XT-SURF</a:t>
+              <a:t>X-SURF</a:t>
             </a:r>
           </a:p>
         </p:txBody>
@@ -16576,8 +16583,8 @@
         </p:nvSpPr>
         <p:spPr>
           <a:xfrm>
-            <a:off x="2640166" y="5033202"/>
-            <a:ext cx="6905545" cy="1754326"/>
+            <a:off x="2999784" y="5033202"/>
+            <a:ext cx="6186309" cy="1754326"/>
           </a:xfrm>
           <a:prstGeom prst="rect">
             <a:avLst/>
@@ -16596,7 +16603,7 @@
                 <a:latin typeface="Times New Roman" panose="02020603050405020304" pitchFamily="18" charset="0"/>
                 <a:cs typeface="Times New Roman" panose="02020603050405020304" pitchFamily="18" charset="0"/>
               </a:rPr>
-              <a:t>XT-DHAL‡</a:t>
+              <a:t>X-DHAL‡</a:t>
             </a:r>
           </a:p>
         </p:txBody>
@@ -17339,8 +17346,8 @@
         </p:nvSpPr>
         <p:spPr>
           <a:xfrm>
-            <a:off x="2870998" y="5033202"/>
-            <a:ext cx="6443880" cy="1754326"/>
+            <a:off x="3346032" y="5033202"/>
+            <a:ext cx="5493812" cy="1754326"/>
           </a:xfrm>
           <a:prstGeom prst="rect">
             <a:avLst/>
@@ -17359,7 +17366,7 @@
                 <a:latin typeface="Times New Roman" panose="02020603050405020304" pitchFamily="18" charset="0"/>
                 <a:cs typeface="Times New Roman" panose="02020603050405020304" pitchFamily="18" charset="0"/>
               </a:rPr>
-              <a:t>XT-DHAL</a:t>
+              <a:t>X-DHAL</a:t>
             </a:r>
           </a:p>
         </p:txBody>
@@ -17871,8 +17878,8 @@
         </p:nvSpPr>
         <p:spPr>
           <a:xfrm>
-            <a:off x="2293918" y="5033202"/>
-            <a:ext cx="7598042" cy="1754326"/>
+            <a:off x="2768952" y="5033202"/>
+            <a:ext cx="6647974" cy="1754326"/>
           </a:xfrm>
           <a:prstGeom prst="rect">
             <a:avLst/>
@@ -17891,7 +17898,7 @@
                 <a:latin typeface="Times New Roman" panose="02020603050405020304" pitchFamily="18" charset="0"/>
                 <a:cs typeface="Times New Roman" panose="02020603050405020304" pitchFamily="18" charset="0"/>
               </a:rPr>
-              <a:t>XT-DHAL-2</a:t>
+              <a:t>X-DHAL-2</a:t>
             </a:r>
           </a:p>
         </p:txBody>
@@ -19217,8 +19224,8 @@
         </p:nvSpPr>
         <p:spPr>
           <a:xfrm>
-            <a:off x="3061756" y="5033202"/>
-            <a:ext cx="6062365" cy="1754326"/>
+            <a:off x="3421374" y="5033202"/>
+            <a:ext cx="5343129" cy="1754326"/>
           </a:xfrm>
           <a:prstGeom prst="rect">
             <a:avLst/>
@@ -19237,7 +19244,7 @@
                 <a:latin typeface="Times New Roman" panose="02020603050405020304" pitchFamily="18" charset="0"/>
                 <a:cs typeface="Times New Roman" panose="02020603050405020304" pitchFamily="18" charset="0"/>
               </a:rPr>
-              <a:t>XT-DISP‡</a:t>
+              <a:t>X-DISP‡</a:t>
             </a:r>
           </a:p>
         </p:txBody>

--- a/Labels/labels.pptx
+++ b/Labels/labels.pptx
@@ -23380,8 +23380,8 @@
         </p:nvSpPr>
         <p:spPr>
           <a:xfrm>
-            <a:off x="3483432" y="5029200"/>
-            <a:ext cx="5212774" cy="1754326"/>
+            <a:off x="3419857" y="5029200"/>
+            <a:ext cx="5339924" cy="1754326"/>
           </a:xfrm>
           <a:prstGeom prst="rect">
             <a:avLst/>
@@ -23400,7 +23400,7 @@
                 <a:latin typeface="Arial" panose="020B0604020202020204" pitchFamily="34" charset="0"/>
                 <a:cs typeface="Arial" panose="020B0604020202020204" pitchFamily="34" charset="0"/>
               </a:rPr>
-              <a:t>Y-PHYS</a:t>
+              <a:t>X-PHYS</a:t>
             </a:r>
           </a:p>
         </p:txBody>
@@ -24340,8 +24340,8 @@
         </p:nvSpPr>
         <p:spPr>
           <a:xfrm>
-            <a:off x="3521103" y="5029200"/>
-            <a:ext cx="5137433" cy="1754326"/>
+            <a:off x="3457528" y="5029200"/>
+            <a:ext cx="5264583" cy="1754326"/>
           </a:xfrm>
           <a:prstGeom prst="rect">
             <a:avLst/>
@@ -24360,7 +24360,7 @@
                 <a:latin typeface="Arial" panose="020B0604020202020204" pitchFamily="34" charset="0"/>
                 <a:cs typeface="Arial" panose="020B0604020202020204" pitchFamily="34" charset="0"/>
               </a:rPr>
-              <a:t>Y-DHAL</a:t>
+              <a:t>X-DHAL</a:t>
             </a:r>
           </a:p>
         </p:txBody>
@@ -27712,8 +27712,8 @@
         </p:nvSpPr>
         <p:spPr>
           <a:xfrm>
-            <a:off x="2803504" y="5029200"/>
-            <a:ext cx="6572633" cy="1754326"/>
+            <a:off x="2841174" y="5029200"/>
+            <a:ext cx="6497292" cy="1754326"/>
           </a:xfrm>
           <a:prstGeom prst="rect">
             <a:avLst/>
@@ -27732,7 +27732,7 @@
                 <a:latin typeface="Arial" panose="020B0604020202020204" pitchFamily="34" charset="0"/>
                 <a:cs typeface="Arial" panose="020B0604020202020204" pitchFamily="34" charset="0"/>
               </a:rPr>
-              <a:t>X-PHYS-2</a:t>
+              <a:t>X-DHAL-2</a:t>
             </a:r>
           </a:p>
         </p:txBody>

--- a/Labels/labels.pptx
+++ b/Labels/labels.pptx
@@ -5,7 +5,7 @@
     <p:sldMasterId id="2147483648" r:id="rId1"/>
   </p:sldMasterIdLst>
   <p:notesMasterIdLst>
-    <p:notesMasterId r:id="rId40"/>
+    <p:notesMasterId r:id="rId41"/>
   </p:notesMasterIdLst>
   <p:sldIdLst>
     <p:sldId id="281" r:id="rId2"/>
@@ -36,16 +36,17 @@
     <p:sldId id="315" r:id="rId27"/>
     <p:sldId id="318" r:id="rId28"/>
     <p:sldId id="319" r:id="rId29"/>
-    <p:sldId id="320" r:id="rId30"/>
-    <p:sldId id="321" r:id="rId31"/>
-    <p:sldId id="322" r:id="rId32"/>
-    <p:sldId id="323" r:id="rId33"/>
-    <p:sldId id="324" r:id="rId34"/>
-    <p:sldId id="325" r:id="rId35"/>
-    <p:sldId id="303" r:id="rId36"/>
-    <p:sldId id="308" r:id="rId37"/>
-    <p:sldId id="304" r:id="rId38"/>
-    <p:sldId id="309" r:id="rId39"/>
+    <p:sldId id="327" r:id="rId30"/>
+    <p:sldId id="320" r:id="rId31"/>
+    <p:sldId id="321" r:id="rId32"/>
+    <p:sldId id="322" r:id="rId33"/>
+    <p:sldId id="323" r:id="rId34"/>
+    <p:sldId id="324" r:id="rId35"/>
+    <p:sldId id="325" r:id="rId36"/>
+    <p:sldId id="303" r:id="rId37"/>
+    <p:sldId id="308" r:id="rId38"/>
+    <p:sldId id="304" r:id="rId39"/>
+    <p:sldId id="309" r:id="rId40"/>
   </p:sldIdLst>
   <p:sldSz cx="12192000" cy="6858000"/>
   <p:notesSz cx="6858000" cy="9144000"/>
@@ -234,7 +235,7 @@
           <a:p>
             <a:fld id="{C0A3C964-1FDA-FF4D-B88A-82651D6186F1}" type="datetimeFigureOut">
               <a:rPr lang="en-US" smtClean="0"/>
-              <a:t>5/25/21</a:t>
+              <a:t>6/2/21</a:t>
             </a:fld>
             <a:endParaRPr lang="en-US"/>
           </a:p>
@@ -2503,7 +2504,7 @@
     </p:spTree>
     <p:extLst>
       <p:ext uri="{BB962C8B-B14F-4D97-AF65-F5344CB8AC3E}">
-        <p14:creationId xmlns:p14="http://schemas.microsoft.com/office/powerpoint/2010/main" val="3017583279"/>
+        <p14:creationId xmlns:p14="http://schemas.microsoft.com/office/powerpoint/2010/main" val="2265887065"/>
       </p:ext>
     </p:extLst>
   </p:cSld>
@@ -2671,7 +2672,7 @@
     </p:spTree>
     <p:extLst>
       <p:ext uri="{BB962C8B-B14F-4D97-AF65-F5344CB8AC3E}">
-        <p14:creationId xmlns:p14="http://schemas.microsoft.com/office/powerpoint/2010/main" val="3951526821"/>
+        <p14:creationId xmlns:p14="http://schemas.microsoft.com/office/powerpoint/2010/main" val="3017583279"/>
       </p:ext>
     </p:extLst>
   </p:cSld>
@@ -2755,7 +2756,7 @@
     </p:spTree>
     <p:extLst>
       <p:ext uri="{BB962C8B-B14F-4D97-AF65-F5344CB8AC3E}">
-        <p14:creationId xmlns:p14="http://schemas.microsoft.com/office/powerpoint/2010/main" val="3562615938"/>
+        <p14:creationId xmlns:p14="http://schemas.microsoft.com/office/powerpoint/2010/main" val="3951526821"/>
       </p:ext>
     </p:extLst>
   </p:cSld>
@@ -2839,7 +2840,7 @@
     </p:spTree>
     <p:extLst>
       <p:ext uri="{BB962C8B-B14F-4D97-AF65-F5344CB8AC3E}">
-        <p14:creationId xmlns:p14="http://schemas.microsoft.com/office/powerpoint/2010/main" val="717853787"/>
+        <p14:creationId xmlns:p14="http://schemas.microsoft.com/office/powerpoint/2010/main" val="3562615938"/>
       </p:ext>
     </p:extLst>
   </p:cSld>
@@ -2923,7 +2924,7 @@
     </p:spTree>
     <p:extLst>
       <p:ext uri="{BB962C8B-B14F-4D97-AF65-F5344CB8AC3E}">
-        <p14:creationId xmlns:p14="http://schemas.microsoft.com/office/powerpoint/2010/main" val="2030328964"/>
+        <p14:creationId xmlns:p14="http://schemas.microsoft.com/office/powerpoint/2010/main" val="717853787"/>
       </p:ext>
     </p:extLst>
   </p:cSld>
@@ -3007,7 +3008,7 @@
     </p:spTree>
     <p:extLst>
       <p:ext uri="{BB962C8B-B14F-4D97-AF65-F5344CB8AC3E}">
-        <p14:creationId xmlns:p14="http://schemas.microsoft.com/office/powerpoint/2010/main" val="624202442"/>
+        <p14:creationId xmlns:p14="http://schemas.microsoft.com/office/powerpoint/2010/main" val="2030328964"/>
       </p:ext>
     </p:extLst>
   </p:cSld>
@@ -3091,7 +3092,7 @@
     </p:spTree>
     <p:extLst>
       <p:ext uri="{BB962C8B-B14F-4D97-AF65-F5344CB8AC3E}">
-        <p14:creationId xmlns:p14="http://schemas.microsoft.com/office/powerpoint/2010/main" val="384339986"/>
+        <p14:creationId xmlns:p14="http://schemas.microsoft.com/office/powerpoint/2010/main" val="624202442"/>
       </p:ext>
     </p:extLst>
   </p:cSld>
@@ -3175,7 +3176,7 @@
     </p:spTree>
     <p:extLst>
       <p:ext uri="{BB962C8B-B14F-4D97-AF65-F5344CB8AC3E}">
-        <p14:creationId xmlns:p14="http://schemas.microsoft.com/office/powerpoint/2010/main" val="3521534035"/>
+        <p14:creationId xmlns:p14="http://schemas.microsoft.com/office/powerpoint/2010/main" val="384339986"/>
       </p:ext>
     </p:extLst>
   </p:cSld>
@@ -3259,7 +3260,7 @@
     </p:spTree>
     <p:extLst>
       <p:ext uri="{BB962C8B-B14F-4D97-AF65-F5344CB8AC3E}">
-        <p14:creationId xmlns:p14="http://schemas.microsoft.com/office/powerpoint/2010/main" val="4247853550"/>
+        <p14:creationId xmlns:p14="http://schemas.microsoft.com/office/powerpoint/2010/main" val="3521534035"/>
       </p:ext>
     </p:extLst>
   </p:cSld>
@@ -3335,6 +3336,90 @@
             <a:fld id="{25211B34-18CC-D744-9E8C-A2A3BCB534CD}" type="slidenum">
               <a:rPr lang="en-US" smtClean="0"/>
               <a:t>38</a:t>
+            </a:fld>
+            <a:endParaRPr lang="en-US"/>
+          </a:p>
+        </p:txBody>
+      </p:sp>
+    </p:spTree>
+    <p:extLst>
+      <p:ext uri="{BB962C8B-B14F-4D97-AF65-F5344CB8AC3E}">
+        <p14:creationId xmlns:p14="http://schemas.microsoft.com/office/powerpoint/2010/main" val="4247853550"/>
+      </p:ext>
+    </p:extLst>
+  </p:cSld>
+  <p:clrMapOvr>
+    <a:masterClrMapping/>
+  </p:clrMapOvr>
+</p:notes>
+</file>
+
+<file path=ppt/notesSlides/notesSlide39.xml><?xml version="1.0" encoding="utf-8"?>
+<p:notes xmlns:a="http://schemas.openxmlformats.org/drawingml/2006/main" xmlns:r="http://schemas.openxmlformats.org/officeDocument/2006/relationships" xmlns:p="http://schemas.openxmlformats.org/presentationml/2006/main">
+  <p:cSld>
+    <p:spTree>
+      <p:nvGrpSpPr>
+        <p:cNvPr id="1" name=""/>
+        <p:cNvGrpSpPr/>
+        <p:nvPr/>
+      </p:nvGrpSpPr>
+      <p:grpSpPr>
+        <a:xfrm>
+          <a:off x="0" y="0"/>
+          <a:ext cx="0" cy="0"/>
+          <a:chOff x="0" y="0"/>
+          <a:chExt cx="0" cy="0"/>
+        </a:xfrm>
+      </p:grpSpPr>
+      <p:sp>
+        <p:nvSpPr>
+          <p:cNvPr id="2" name="Slide Image Placeholder 1"/>
+          <p:cNvSpPr>
+            <a:spLocks noGrp="1" noRot="1" noChangeAspect="1"/>
+          </p:cNvSpPr>
+          <p:nvPr>
+            <p:ph type="sldImg"/>
+          </p:nvPr>
+        </p:nvSpPr>
+        <p:spPr/>
+      </p:sp>
+      <p:sp>
+        <p:nvSpPr>
+          <p:cNvPr id="3" name="Notes Placeholder 2"/>
+          <p:cNvSpPr>
+            <a:spLocks noGrp="1"/>
+          </p:cNvSpPr>
+          <p:nvPr>
+            <p:ph type="body" idx="1"/>
+          </p:nvPr>
+        </p:nvSpPr>
+        <p:spPr/>
+        <p:txBody>
+          <a:bodyPr/>
+          <a:lstStyle/>
+          <a:p>
+            <a:endParaRPr lang="en-US" dirty="0"/>
+          </a:p>
+        </p:txBody>
+      </p:sp>
+      <p:sp>
+        <p:nvSpPr>
+          <p:cNvPr id="4" name="Slide Number Placeholder 3"/>
+          <p:cNvSpPr>
+            <a:spLocks noGrp="1"/>
+          </p:cNvSpPr>
+          <p:nvPr>
+            <p:ph type="sldNum" sz="quarter" idx="5"/>
+          </p:nvPr>
+        </p:nvSpPr>
+        <p:spPr/>
+        <p:txBody>
+          <a:bodyPr/>
+          <a:lstStyle/>
+          <a:p>
+            <a:fld id="{25211B34-18CC-D744-9E8C-A2A3BCB534CD}" type="slidenum">
+              <a:rPr lang="en-US" smtClean="0"/>
+              <a:t>39</a:t>
             </a:fld>
             <a:endParaRPr lang="en-US"/>
           </a:p>
@@ -4004,7 +4089,7 @@
           <a:p>
             <a:fld id="{C9D9FE3B-EC58-5549-AF65-699B5C67D369}" type="datetimeFigureOut">
               <a:rPr lang="en-US" smtClean="0"/>
-              <a:t>5/25/21</a:t>
+              <a:t>6/2/21</a:t>
             </a:fld>
             <a:endParaRPr lang="en-US"/>
           </a:p>
@@ -4202,7 +4287,7 @@
           <a:p>
             <a:fld id="{C9D9FE3B-EC58-5549-AF65-699B5C67D369}" type="datetimeFigureOut">
               <a:rPr lang="en-US" smtClean="0"/>
-              <a:t>5/25/21</a:t>
+              <a:t>6/2/21</a:t>
             </a:fld>
             <a:endParaRPr lang="en-US"/>
           </a:p>
@@ -4410,7 +4495,7 @@
           <a:p>
             <a:fld id="{C9D9FE3B-EC58-5549-AF65-699B5C67D369}" type="datetimeFigureOut">
               <a:rPr lang="en-US" smtClean="0"/>
-              <a:t>5/25/21</a:t>
+              <a:t>6/2/21</a:t>
             </a:fld>
             <a:endParaRPr lang="en-US"/>
           </a:p>
@@ -4608,7 +4693,7 @@
           <a:p>
             <a:fld id="{C9D9FE3B-EC58-5549-AF65-699B5C67D369}" type="datetimeFigureOut">
               <a:rPr lang="en-US" smtClean="0"/>
-              <a:t>5/25/21</a:t>
+              <a:t>6/2/21</a:t>
             </a:fld>
             <a:endParaRPr lang="en-US"/>
           </a:p>
@@ -4883,7 +4968,7 @@
           <a:p>
             <a:fld id="{C9D9FE3B-EC58-5549-AF65-699B5C67D369}" type="datetimeFigureOut">
               <a:rPr lang="en-US" smtClean="0"/>
-              <a:t>5/25/21</a:t>
+              <a:t>6/2/21</a:t>
             </a:fld>
             <a:endParaRPr lang="en-US"/>
           </a:p>
@@ -5148,7 +5233,7 @@
           <a:p>
             <a:fld id="{C9D9FE3B-EC58-5549-AF65-699B5C67D369}" type="datetimeFigureOut">
               <a:rPr lang="en-US" smtClean="0"/>
-              <a:t>5/25/21</a:t>
+              <a:t>6/2/21</a:t>
             </a:fld>
             <a:endParaRPr lang="en-US"/>
           </a:p>
@@ -5560,7 +5645,7 @@
           <a:p>
             <a:fld id="{C9D9FE3B-EC58-5549-AF65-699B5C67D369}" type="datetimeFigureOut">
               <a:rPr lang="en-US" smtClean="0"/>
-              <a:t>5/25/21</a:t>
+              <a:t>6/2/21</a:t>
             </a:fld>
             <a:endParaRPr lang="en-US"/>
           </a:p>
@@ -5701,7 +5786,7 @@
           <a:p>
             <a:fld id="{C9D9FE3B-EC58-5549-AF65-699B5C67D369}" type="datetimeFigureOut">
               <a:rPr lang="en-US" smtClean="0"/>
-              <a:t>5/25/21</a:t>
+              <a:t>6/2/21</a:t>
             </a:fld>
             <a:endParaRPr lang="en-US"/>
           </a:p>
@@ -5814,7 +5899,7 @@
           <a:p>
             <a:fld id="{C9D9FE3B-EC58-5549-AF65-699B5C67D369}" type="datetimeFigureOut">
               <a:rPr lang="en-US" smtClean="0"/>
-              <a:t>5/25/21</a:t>
+              <a:t>6/2/21</a:t>
             </a:fld>
             <a:endParaRPr lang="en-US"/>
           </a:p>
@@ -6125,7 +6210,7 @@
           <a:p>
             <a:fld id="{C9D9FE3B-EC58-5549-AF65-699B5C67D369}" type="datetimeFigureOut">
               <a:rPr lang="en-US" smtClean="0"/>
-              <a:t>5/25/21</a:t>
+              <a:t>6/2/21</a:t>
             </a:fld>
             <a:endParaRPr lang="en-US"/>
           </a:p>
@@ -6413,7 +6498,7 @@
           <a:p>
             <a:fld id="{C9D9FE3B-EC58-5549-AF65-699B5C67D369}" type="datetimeFigureOut">
               <a:rPr lang="en-US" smtClean="0"/>
-              <a:t>5/25/21</a:t>
+              <a:t>6/2/21</a:t>
             </a:fld>
             <a:endParaRPr lang="en-US"/>
           </a:p>
@@ -6654,7 +6739,7 @@
           <a:p>
             <a:fld id="{C9D9FE3B-EC58-5549-AF65-699B5C67D369}" type="datetimeFigureOut">
               <a:rPr lang="en-US" smtClean="0"/>
-              <a:t>5/25/21</a:t>
+              <a:t>6/2/21</a:t>
             </a:fld>
             <a:endParaRPr lang="en-US"/>
           </a:p>
@@ -21333,7 +21418,7 @@
         <p:spPr>
           <a:xfrm>
             <a:off x="611417" y="0"/>
-            <a:ext cx="3800271" cy="1200329"/>
+            <a:ext cx="8146013" cy="1200329"/>
           </a:xfrm>
           <a:prstGeom prst="rect">
             <a:avLst/>
@@ -21352,7 +21437,15 @@
                   <a:srgbClr val="00B050"/>
                 </a:solidFill>
               </a:rPr>
-              <a:t>1 existing</a:t>
+              <a:t>1 existing </a:t>
+            </a:r>
+            <a:r>
+              <a:rPr lang="en-US" sz="7200" b="1" dirty="0">
+                <a:solidFill>
+                  <a:srgbClr val="C00000"/>
+                </a:solidFill>
+              </a:rPr>
+              <a:t>Do not use</a:t>
             </a:r>
           </a:p>
         </p:txBody>
@@ -23012,7 +23105,7 @@
         <p:spPr>
           <a:xfrm>
             <a:off x="611417" y="0"/>
-            <a:ext cx="3793026" cy="1200329"/>
+            <a:ext cx="8146013" cy="1200329"/>
           </a:xfrm>
           <a:prstGeom prst="rect">
             <a:avLst/>
@@ -23031,7 +23124,15 @@
                   <a:srgbClr val="00B050"/>
                 </a:solidFill>
               </a:rPr>
-              <a:t>3 existing</a:t>
+              <a:t>3 existing </a:t>
+            </a:r>
+            <a:r>
+              <a:rPr lang="en-US" sz="7200" b="1" dirty="0">
+                <a:solidFill>
+                  <a:srgbClr val="C00000"/>
+                </a:solidFill>
+              </a:rPr>
+              <a:t>Do not use</a:t>
             </a:r>
           </a:p>
         </p:txBody>
@@ -23821,7 +23922,7 @@
         <p:spPr>
           <a:xfrm>
             <a:off x="611417" y="0"/>
-            <a:ext cx="3800271" cy="1200329"/>
+            <a:ext cx="8146013" cy="1200329"/>
           </a:xfrm>
           <a:prstGeom prst="rect">
             <a:avLst/>
@@ -23840,8 +23941,21 @@
                   <a:srgbClr val="00B050"/>
                 </a:solidFill>
               </a:rPr>
-              <a:t>4 existing</a:t>
+              <a:t>4 existing </a:t>
             </a:r>
+            <a:r>
+              <a:rPr lang="en-US" sz="7200" b="1" dirty="0">
+                <a:solidFill>
+                  <a:srgbClr val="C00000"/>
+                </a:solidFill>
+              </a:rPr>
+              <a:t>Do not use</a:t>
+            </a:r>
+            <a:endParaRPr lang="en-US" sz="7200" b="1" dirty="0">
+              <a:solidFill>
+                <a:srgbClr val="00B050"/>
+              </a:solidFill>
+            </a:endParaRPr>
           </a:p>
         </p:txBody>
       </p:sp>
@@ -24662,21 +24776,21 @@
       </p:sp>
       <p:sp>
         <p:nvSpPr>
-          <p:cNvPr id="55" name="Oval 54">
-            <a:extLst>
-              <a:ext uri="{FF2B5EF4-FFF2-40B4-BE49-F238E27FC236}">
-                <a16:creationId xmlns:a16="http://schemas.microsoft.com/office/drawing/2014/main" id="{91933C61-2867-7941-9CD6-93B6EA1F84BE}"/>
-              </a:ext>
-            </a:extLst>
-          </p:cNvPr>
-          <p:cNvSpPr>
-            <a:spLocks noChangeAspect="1"/>
-          </p:cNvSpPr>
-          <p:nvPr/>
-        </p:nvSpPr>
-        <p:spPr>
-          <a:xfrm>
-            <a:off x="9299462" y="3886200"/>
+          <p:cNvPr id="45" name="Oval 44">
+            <a:extLst>
+              <a:ext uri="{FF2B5EF4-FFF2-40B4-BE49-F238E27FC236}">
+                <a16:creationId xmlns:a16="http://schemas.microsoft.com/office/drawing/2014/main" id="{87490342-6441-9B44-995C-E1DBB4EDE0CF}"/>
+              </a:ext>
+            </a:extLst>
+          </p:cNvPr>
+          <p:cNvSpPr>
+            <a:spLocks noChangeAspect="1"/>
+          </p:cNvSpPr>
+          <p:nvPr/>
+        </p:nvSpPr>
+        <p:spPr>
+          <a:xfrm flipH="1">
+            <a:off x="5175504" y="3081528"/>
             <a:ext cx="914400" cy="914400"/>
           </a:xfrm>
           <a:prstGeom prst="ellipse">
@@ -24728,7 +24842,7 @@
         <p:spPr>
           <a:xfrm>
             <a:off x="611417" y="0"/>
-            <a:ext cx="3793026" cy="1200329"/>
+            <a:ext cx="3800271" cy="1200329"/>
           </a:xfrm>
           <a:prstGeom prst="rect">
             <a:avLst/>
@@ -24747,8 +24861,1835 @@
                   <a:srgbClr val="00B050"/>
                 </a:solidFill>
               </a:rPr>
-              <a:t>5 existing</a:t>
+              <a:t>4 existing</a:t>
             </a:r>
+          </a:p>
+        </p:txBody>
+      </p:sp>
+      <p:sp>
+        <p:nvSpPr>
+          <p:cNvPr id="18" name="Oval 17">
+            <a:extLst>
+              <a:ext uri="{FF2B5EF4-FFF2-40B4-BE49-F238E27FC236}">
+                <a16:creationId xmlns:a16="http://schemas.microsoft.com/office/drawing/2014/main" id="{5BA4FCDF-5137-C843-9B47-6AE20295CD92}"/>
+              </a:ext>
+            </a:extLst>
+          </p:cNvPr>
+          <p:cNvSpPr>
+            <a:spLocks noChangeAspect="1"/>
+          </p:cNvSpPr>
+          <p:nvPr/>
+        </p:nvSpPr>
+        <p:spPr>
+          <a:xfrm>
+            <a:off x="10207737" y="3886200"/>
+            <a:ext cx="914400" cy="914400"/>
+          </a:xfrm>
+          <a:prstGeom prst="ellipse">
+            <a:avLst/>
+          </a:prstGeom>
+          <a:ln w="127000">
+            <a:solidFill>
+              <a:schemeClr val="tx1"/>
+            </a:solidFill>
+          </a:ln>
+        </p:spPr>
+        <p:style>
+          <a:lnRef idx="2">
+            <a:schemeClr val="accent1">
+              <a:shade val="50000"/>
+            </a:schemeClr>
+          </a:lnRef>
+          <a:fillRef idx="1">
+            <a:schemeClr val="accent1"/>
+          </a:fillRef>
+          <a:effectRef idx="0">
+            <a:schemeClr val="accent1"/>
+          </a:effectRef>
+          <a:fontRef idx="minor">
+            <a:schemeClr val="lt1"/>
+          </a:fontRef>
+        </p:style>
+        <p:txBody>
+          <a:bodyPr rtlCol="0" anchor="ctr"/>
+          <a:lstStyle/>
+          <a:p>
+            <a:pPr algn="ctr"/>
+            <a:endParaRPr lang="en-US"/>
+          </a:p>
+        </p:txBody>
+      </p:sp>
+      <p:sp>
+        <p:nvSpPr>
+          <p:cNvPr id="19" name="Oval 18">
+            <a:extLst>
+              <a:ext uri="{FF2B5EF4-FFF2-40B4-BE49-F238E27FC236}">
+                <a16:creationId xmlns:a16="http://schemas.microsoft.com/office/drawing/2014/main" id="{91F7F44B-A5E6-8742-89A4-599E2912E46D}"/>
+              </a:ext>
+            </a:extLst>
+          </p:cNvPr>
+          <p:cNvSpPr>
+            <a:spLocks noChangeAspect="1"/>
+          </p:cNvSpPr>
+          <p:nvPr/>
+        </p:nvSpPr>
+        <p:spPr>
+          <a:xfrm>
+            <a:off x="2891006" y="3886200"/>
+            <a:ext cx="914400" cy="914400"/>
+          </a:xfrm>
+          <a:prstGeom prst="ellipse">
+            <a:avLst/>
+          </a:prstGeom>
+          <a:ln w="127000">
+            <a:solidFill>
+              <a:schemeClr val="tx1"/>
+            </a:solidFill>
+          </a:ln>
+        </p:spPr>
+        <p:style>
+          <a:lnRef idx="2">
+            <a:schemeClr val="accent1">
+              <a:shade val="50000"/>
+            </a:schemeClr>
+          </a:lnRef>
+          <a:fillRef idx="1">
+            <a:schemeClr val="accent1"/>
+          </a:fillRef>
+          <a:effectRef idx="0">
+            <a:schemeClr val="accent1"/>
+          </a:effectRef>
+          <a:fontRef idx="minor">
+            <a:schemeClr val="lt1"/>
+          </a:fontRef>
+        </p:style>
+        <p:txBody>
+          <a:bodyPr rtlCol="0" anchor="ctr"/>
+          <a:lstStyle/>
+          <a:p>
+            <a:pPr algn="ctr"/>
+            <a:endParaRPr lang="en-US"/>
+          </a:p>
+        </p:txBody>
+      </p:sp>
+      <p:sp>
+        <p:nvSpPr>
+          <p:cNvPr id="22" name="Oval 21">
+            <a:extLst>
+              <a:ext uri="{FF2B5EF4-FFF2-40B4-BE49-F238E27FC236}">
+                <a16:creationId xmlns:a16="http://schemas.microsoft.com/office/drawing/2014/main" id="{D14FEF9E-E9C8-934A-AEA0-DC9A80694686}"/>
+              </a:ext>
+            </a:extLst>
+          </p:cNvPr>
+          <p:cNvSpPr>
+            <a:spLocks noChangeAspect="1"/>
+          </p:cNvSpPr>
+          <p:nvPr/>
+        </p:nvSpPr>
+        <p:spPr>
+          <a:xfrm>
+            <a:off x="1060704" y="2971800"/>
+            <a:ext cx="914400" cy="914400"/>
+          </a:xfrm>
+          <a:prstGeom prst="ellipse">
+            <a:avLst/>
+          </a:prstGeom>
+          <a:solidFill>
+            <a:srgbClr val="FF0000"/>
+          </a:solidFill>
+          <a:ln w="127000">
+            <a:solidFill>
+              <a:schemeClr val="tx1"/>
+            </a:solidFill>
+          </a:ln>
+        </p:spPr>
+        <p:style>
+          <a:lnRef idx="2">
+            <a:schemeClr val="accent1">
+              <a:shade val="50000"/>
+            </a:schemeClr>
+          </a:lnRef>
+          <a:fillRef idx="1">
+            <a:schemeClr val="accent1"/>
+          </a:fillRef>
+          <a:effectRef idx="0">
+            <a:schemeClr val="accent1"/>
+          </a:effectRef>
+          <a:fontRef idx="minor">
+            <a:schemeClr val="lt1"/>
+          </a:fontRef>
+        </p:style>
+        <p:txBody>
+          <a:bodyPr rtlCol="0" anchor="ctr"/>
+          <a:lstStyle/>
+          <a:p>
+            <a:pPr algn="ctr"/>
+            <a:endParaRPr lang="en-US" dirty="0"/>
+          </a:p>
+        </p:txBody>
+      </p:sp>
+      <p:sp>
+        <p:nvSpPr>
+          <p:cNvPr id="21" name="Oval 20">
+            <a:extLst>
+              <a:ext uri="{FF2B5EF4-FFF2-40B4-BE49-F238E27FC236}">
+                <a16:creationId xmlns:a16="http://schemas.microsoft.com/office/drawing/2014/main" id="{BC1B24BE-FD62-8B4B-941F-809439981A21}"/>
+              </a:ext>
+            </a:extLst>
+          </p:cNvPr>
+          <p:cNvSpPr>
+            <a:spLocks noChangeAspect="1"/>
+          </p:cNvSpPr>
+          <p:nvPr/>
+        </p:nvSpPr>
+        <p:spPr>
+          <a:xfrm>
+            <a:off x="1975104" y="3886200"/>
+            <a:ext cx="914400" cy="914400"/>
+          </a:xfrm>
+          <a:prstGeom prst="ellipse">
+            <a:avLst/>
+          </a:prstGeom>
+          <a:ln w="127000">
+            <a:solidFill>
+              <a:schemeClr val="tx1"/>
+            </a:solidFill>
+          </a:ln>
+        </p:spPr>
+        <p:style>
+          <a:lnRef idx="2">
+            <a:schemeClr val="accent1">
+              <a:shade val="50000"/>
+            </a:schemeClr>
+          </a:lnRef>
+          <a:fillRef idx="1">
+            <a:schemeClr val="accent1"/>
+          </a:fillRef>
+          <a:effectRef idx="0">
+            <a:schemeClr val="accent1"/>
+          </a:effectRef>
+          <a:fontRef idx="minor">
+            <a:schemeClr val="lt1"/>
+          </a:fontRef>
+        </p:style>
+        <p:txBody>
+          <a:bodyPr rtlCol="0" anchor="ctr"/>
+          <a:lstStyle/>
+          <a:p>
+            <a:pPr algn="ctr"/>
+            <a:endParaRPr lang="en-US"/>
+          </a:p>
+        </p:txBody>
+      </p:sp>
+      <p:sp>
+        <p:nvSpPr>
+          <p:cNvPr id="23" name="Oval 22">
+            <a:extLst>
+              <a:ext uri="{FF2B5EF4-FFF2-40B4-BE49-F238E27FC236}">
+                <a16:creationId xmlns:a16="http://schemas.microsoft.com/office/drawing/2014/main" id="{5921DD93-D2EB-1C45-AD7D-B5D0544379A8}"/>
+              </a:ext>
+            </a:extLst>
+          </p:cNvPr>
+          <p:cNvSpPr>
+            <a:spLocks noChangeAspect="1"/>
+          </p:cNvSpPr>
+          <p:nvPr/>
+        </p:nvSpPr>
+        <p:spPr>
+          <a:xfrm rot="18900000">
+            <a:off x="2886471" y="2514600"/>
+            <a:ext cx="1828800" cy="914400"/>
+          </a:xfrm>
+          <a:prstGeom prst="ellipse">
+            <a:avLst/>
+          </a:prstGeom>
+          <a:solidFill>
+            <a:srgbClr val="00B050"/>
+          </a:solidFill>
+          <a:ln w="127000">
+            <a:solidFill>
+              <a:schemeClr val="tx1"/>
+            </a:solidFill>
+          </a:ln>
+        </p:spPr>
+        <p:style>
+          <a:lnRef idx="2">
+            <a:schemeClr val="accent1">
+              <a:shade val="50000"/>
+            </a:schemeClr>
+          </a:lnRef>
+          <a:fillRef idx="1">
+            <a:schemeClr val="accent1"/>
+          </a:fillRef>
+          <a:effectRef idx="0">
+            <a:schemeClr val="accent1"/>
+          </a:effectRef>
+          <a:fontRef idx="minor">
+            <a:schemeClr val="lt1"/>
+          </a:fontRef>
+        </p:style>
+        <p:txBody>
+          <a:bodyPr rtlCol="0" anchor="ctr"/>
+          <a:lstStyle/>
+          <a:p>
+            <a:pPr algn="ctr"/>
+            <a:endParaRPr lang="en-US"/>
+          </a:p>
+        </p:txBody>
+      </p:sp>
+      <p:cxnSp>
+        <p:nvCxnSpPr>
+          <p:cNvPr id="24" name="Straight Connector 23">
+            <a:extLst>
+              <a:ext uri="{FF2B5EF4-FFF2-40B4-BE49-F238E27FC236}">
+                <a16:creationId xmlns:a16="http://schemas.microsoft.com/office/drawing/2014/main" id="{9E5666BE-DC8A-A74E-BAAA-B10442702790}"/>
+              </a:ext>
+            </a:extLst>
+          </p:cNvPr>
+          <p:cNvCxnSpPr>
+            <a:cxnSpLocks/>
+            <a:stCxn id="23" idx="2"/>
+            <a:endCxn id="21" idx="7"/>
+          </p:cNvCxnSpPr>
+          <p:nvPr/>
+        </p:nvCxnSpPr>
+        <p:spPr>
+          <a:xfrm flipH="1">
+            <a:off x="2755593" y="3618378"/>
+            <a:ext cx="398700" cy="401733"/>
+          </a:xfrm>
+          <a:prstGeom prst="line">
+            <a:avLst/>
+          </a:prstGeom>
+          <a:ln w="127000">
+            <a:solidFill>
+              <a:schemeClr val="tx1"/>
+            </a:solidFill>
+          </a:ln>
+        </p:spPr>
+        <p:style>
+          <a:lnRef idx="1">
+            <a:schemeClr val="accent1"/>
+          </a:lnRef>
+          <a:fillRef idx="0">
+            <a:schemeClr val="accent1"/>
+          </a:fillRef>
+          <a:effectRef idx="0">
+            <a:schemeClr val="accent1"/>
+          </a:effectRef>
+          <a:fontRef idx="minor">
+            <a:schemeClr val="tx1"/>
+          </a:fontRef>
+        </p:style>
+      </p:cxnSp>
+      <p:sp>
+        <p:nvSpPr>
+          <p:cNvPr id="25" name="Oval 24">
+            <a:extLst>
+              <a:ext uri="{FF2B5EF4-FFF2-40B4-BE49-F238E27FC236}">
+                <a16:creationId xmlns:a16="http://schemas.microsoft.com/office/drawing/2014/main" id="{1A5B8BD1-6CE5-774A-A072-6791927A9E47}"/>
+              </a:ext>
+            </a:extLst>
+          </p:cNvPr>
+          <p:cNvSpPr>
+            <a:spLocks noChangeAspect="1"/>
+          </p:cNvSpPr>
+          <p:nvPr/>
+        </p:nvSpPr>
+        <p:spPr>
+          <a:xfrm>
+            <a:off x="1066800" y="3886200"/>
+            <a:ext cx="914400" cy="914400"/>
+          </a:xfrm>
+          <a:prstGeom prst="ellipse">
+            <a:avLst/>
+          </a:prstGeom>
+          <a:ln w="127000">
+            <a:solidFill>
+              <a:schemeClr val="tx1"/>
+            </a:solidFill>
+          </a:ln>
+        </p:spPr>
+        <p:style>
+          <a:lnRef idx="2">
+            <a:schemeClr val="accent1">
+              <a:shade val="50000"/>
+            </a:schemeClr>
+          </a:lnRef>
+          <a:fillRef idx="1">
+            <a:schemeClr val="accent1"/>
+          </a:fillRef>
+          <a:effectRef idx="0">
+            <a:schemeClr val="accent1"/>
+          </a:effectRef>
+          <a:fontRef idx="minor">
+            <a:schemeClr val="lt1"/>
+          </a:fontRef>
+        </p:style>
+        <p:txBody>
+          <a:bodyPr rtlCol="0" anchor="ctr"/>
+          <a:lstStyle/>
+          <a:p>
+            <a:pPr algn="ctr"/>
+            <a:endParaRPr lang="en-US"/>
+          </a:p>
+        </p:txBody>
+      </p:sp>
+      <p:sp>
+        <p:nvSpPr>
+          <p:cNvPr id="26" name="TextBox 25">
+            <a:extLst>
+              <a:ext uri="{FF2B5EF4-FFF2-40B4-BE49-F238E27FC236}">
+                <a16:creationId xmlns:a16="http://schemas.microsoft.com/office/drawing/2014/main" id="{24240A29-23E0-7E4D-B628-EDDA94180B47}"/>
+              </a:ext>
+            </a:extLst>
+          </p:cNvPr>
+          <p:cNvSpPr txBox="1"/>
+          <p:nvPr/>
+        </p:nvSpPr>
+        <p:spPr>
+          <a:xfrm>
+            <a:off x="2841174" y="5029200"/>
+            <a:ext cx="6497292" cy="1754326"/>
+          </a:xfrm>
+          <a:prstGeom prst="rect">
+            <a:avLst/>
+          </a:prstGeom>
+          <a:noFill/>
+        </p:spPr>
+        <p:txBody>
+          <a:bodyPr wrap="none" rtlCol="0">
+            <a:spAutoFit/>
+          </a:bodyPr>
+          <a:lstStyle/>
+          <a:p>
+            <a:pPr algn="ctr"/>
+            <a:r>
+              <a:rPr lang="en-US" sz="10800" dirty="0">
+                <a:latin typeface="Arial" panose="020B0604020202020204" pitchFamily="34" charset="0"/>
+                <a:cs typeface="Arial" panose="020B0604020202020204" pitchFamily="34" charset="0"/>
+              </a:rPr>
+              <a:t>X-DHAL-2</a:t>
+            </a:r>
+          </a:p>
+        </p:txBody>
+      </p:sp>
+      <p:sp>
+        <p:nvSpPr>
+          <p:cNvPr id="20" name="Oval 19">
+            <a:extLst>
+              <a:ext uri="{FF2B5EF4-FFF2-40B4-BE49-F238E27FC236}">
+                <a16:creationId xmlns:a16="http://schemas.microsoft.com/office/drawing/2014/main" id="{D283FD16-446A-AB46-9C71-3568F220AD97}"/>
+              </a:ext>
+            </a:extLst>
+          </p:cNvPr>
+          <p:cNvSpPr>
+            <a:spLocks noChangeAspect="1"/>
+          </p:cNvSpPr>
+          <p:nvPr/>
+        </p:nvSpPr>
+        <p:spPr>
+          <a:xfrm flipH="1">
+            <a:off x="10201671" y="2971800"/>
+            <a:ext cx="914400" cy="914400"/>
+          </a:xfrm>
+          <a:prstGeom prst="ellipse">
+            <a:avLst/>
+          </a:prstGeom>
+          <a:solidFill>
+            <a:srgbClr val="FF0000"/>
+          </a:solidFill>
+          <a:ln w="127000">
+            <a:solidFill>
+              <a:schemeClr val="tx1"/>
+            </a:solidFill>
+          </a:ln>
+        </p:spPr>
+        <p:style>
+          <a:lnRef idx="2">
+            <a:schemeClr val="accent1">
+              <a:shade val="50000"/>
+            </a:schemeClr>
+          </a:lnRef>
+          <a:fillRef idx="1">
+            <a:schemeClr val="accent1"/>
+          </a:fillRef>
+          <a:effectRef idx="0">
+            <a:schemeClr val="accent1"/>
+          </a:effectRef>
+          <a:fontRef idx="minor">
+            <a:schemeClr val="lt1"/>
+          </a:fontRef>
+        </p:style>
+        <p:txBody>
+          <a:bodyPr rtlCol="0" anchor="ctr"/>
+          <a:lstStyle/>
+          <a:p>
+            <a:pPr algn="ctr"/>
+            <a:endParaRPr lang="en-US" dirty="0"/>
+          </a:p>
+        </p:txBody>
+      </p:sp>
+      <p:sp>
+        <p:nvSpPr>
+          <p:cNvPr id="27" name="Oval 26">
+            <a:extLst>
+              <a:ext uri="{FF2B5EF4-FFF2-40B4-BE49-F238E27FC236}">
+                <a16:creationId xmlns:a16="http://schemas.microsoft.com/office/drawing/2014/main" id="{E332ABF0-597B-AE40-8C78-0D1D8977DCCA}"/>
+              </a:ext>
+            </a:extLst>
+          </p:cNvPr>
+          <p:cNvSpPr>
+            <a:spLocks noChangeAspect="1"/>
+          </p:cNvSpPr>
+          <p:nvPr/>
+        </p:nvSpPr>
+        <p:spPr>
+          <a:xfrm flipH="1">
+            <a:off x="9287271" y="3886200"/>
+            <a:ext cx="914400" cy="914400"/>
+          </a:xfrm>
+          <a:prstGeom prst="ellipse">
+            <a:avLst/>
+          </a:prstGeom>
+          <a:ln w="127000">
+            <a:solidFill>
+              <a:schemeClr val="tx1"/>
+            </a:solidFill>
+          </a:ln>
+        </p:spPr>
+        <p:style>
+          <a:lnRef idx="2">
+            <a:schemeClr val="accent1">
+              <a:shade val="50000"/>
+            </a:schemeClr>
+          </a:lnRef>
+          <a:fillRef idx="1">
+            <a:schemeClr val="accent1"/>
+          </a:fillRef>
+          <a:effectRef idx="0">
+            <a:schemeClr val="accent1"/>
+          </a:effectRef>
+          <a:fontRef idx="minor">
+            <a:schemeClr val="lt1"/>
+          </a:fontRef>
+        </p:style>
+        <p:txBody>
+          <a:bodyPr rtlCol="0" anchor="ctr"/>
+          <a:lstStyle/>
+          <a:p>
+            <a:pPr algn="ctr"/>
+            <a:endParaRPr lang="en-US"/>
+          </a:p>
+        </p:txBody>
+      </p:sp>
+      <p:sp>
+        <p:nvSpPr>
+          <p:cNvPr id="28" name="Oval 27">
+            <a:extLst>
+              <a:ext uri="{FF2B5EF4-FFF2-40B4-BE49-F238E27FC236}">
+                <a16:creationId xmlns:a16="http://schemas.microsoft.com/office/drawing/2014/main" id="{CF0F9F03-CB0D-E641-97BD-F951F5ADB00B}"/>
+              </a:ext>
+            </a:extLst>
+          </p:cNvPr>
+          <p:cNvSpPr>
+            <a:spLocks noChangeAspect="1"/>
+          </p:cNvSpPr>
+          <p:nvPr/>
+        </p:nvSpPr>
+        <p:spPr>
+          <a:xfrm rot="2700000" flipH="1">
+            <a:off x="7461504" y="2514600"/>
+            <a:ext cx="1828800" cy="914400"/>
+          </a:xfrm>
+          <a:prstGeom prst="ellipse">
+            <a:avLst/>
+          </a:prstGeom>
+          <a:solidFill>
+            <a:srgbClr val="00B050"/>
+          </a:solidFill>
+          <a:ln w="127000">
+            <a:solidFill>
+              <a:schemeClr val="tx1"/>
+            </a:solidFill>
+          </a:ln>
+        </p:spPr>
+        <p:style>
+          <a:lnRef idx="2">
+            <a:schemeClr val="accent1">
+              <a:shade val="50000"/>
+            </a:schemeClr>
+          </a:lnRef>
+          <a:fillRef idx="1">
+            <a:schemeClr val="accent1"/>
+          </a:fillRef>
+          <a:effectRef idx="0">
+            <a:schemeClr val="accent1"/>
+          </a:effectRef>
+          <a:fontRef idx="minor">
+            <a:schemeClr val="lt1"/>
+          </a:fontRef>
+        </p:style>
+        <p:txBody>
+          <a:bodyPr rtlCol="0" anchor="ctr"/>
+          <a:lstStyle/>
+          <a:p>
+            <a:pPr algn="ctr"/>
+            <a:endParaRPr lang="en-US"/>
+          </a:p>
+        </p:txBody>
+      </p:sp>
+      <p:cxnSp>
+        <p:nvCxnSpPr>
+          <p:cNvPr id="29" name="Straight Connector 28">
+            <a:extLst>
+              <a:ext uri="{FF2B5EF4-FFF2-40B4-BE49-F238E27FC236}">
+                <a16:creationId xmlns:a16="http://schemas.microsoft.com/office/drawing/2014/main" id="{FC6D8673-3195-3541-857D-ED835E1C4914}"/>
+              </a:ext>
+            </a:extLst>
+          </p:cNvPr>
+          <p:cNvCxnSpPr>
+            <a:cxnSpLocks/>
+            <a:stCxn id="28" idx="2"/>
+            <a:endCxn id="27" idx="7"/>
+          </p:cNvCxnSpPr>
+          <p:nvPr/>
+        </p:nvCxnSpPr>
+        <p:spPr>
+          <a:xfrm>
+            <a:off x="9022482" y="3618378"/>
+            <a:ext cx="398700" cy="401733"/>
+          </a:xfrm>
+          <a:prstGeom prst="line">
+            <a:avLst/>
+          </a:prstGeom>
+          <a:ln w="127000">
+            <a:solidFill>
+              <a:schemeClr val="tx1"/>
+            </a:solidFill>
+          </a:ln>
+        </p:spPr>
+        <p:style>
+          <a:lnRef idx="1">
+            <a:schemeClr val="accent1"/>
+          </a:lnRef>
+          <a:fillRef idx="0">
+            <a:schemeClr val="accent1"/>
+          </a:fillRef>
+          <a:effectRef idx="0">
+            <a:schemeClr val="accent1"/>
+          </a:effectRef>
+          <a:fontRef idx="minor">
+            <a:schemeClr val="tx1"/>
+          </a:fontRef>
+        </p:style>
+      </p:cxnSp>
+    </p:spTree>
+    <p:extLst>
+      <p:ext uri="{BB962C8B-B14F-4D97-AF65-F5344CB8AC3E}">
+        <p14:creationId xmlns:p14="http://schemas.microsoft.com/office/powerpoint/2010/main" val="3651499890"/>
+      </p:ext>
+    </p:extLst>
+  </p:cSld>
+  <p:clrMapOvr>
+    <a:masterClrMapping/>
+  </p:clrMapOvr>
+</p:sld>
+</file>
+
+<file path=ppt/slides/slide3.xml><?xml version="1.0" encoding="utf-8"?>
+<p:sld xmlns:a="http://schemas.openxmlformats.org/drawingml/2006/main" xmlns:r="http://schemas.openxmlformats.org/officeDocument/2006/relationships" xmlns:p="http://schemas.openxmlformats.org/presentationml/2006/main">
+  <p:cSld>
+    <p:spTree>
+      <p:nvGrpSpPr>
+        <p:cNvPr id="1" name=""/>
+        <p:cNvGrpSpPr/>
+        <p:nvPr/>
+      </p:nvGrpSpPr>
+      <p:grpSpPr>
+        <a:xfrm>
+          <a:off x="0" y="0"/>
+          <a:ext cx="0" cy="0"/>
+          <a:chOff x="0" y="0"/>
+          <a:chExt cx="0" cy="0"/>
+        </a:xfrm>
+      </p:grpSpPr>
+      <p:sp>
+        <p:nvSpPr>
+          <p:cNvPr id="3" name="Oval 2">
+            <a:extLst>
+              <a:ext uri="{FF2B5EF4-FFF2-40B4-BE49-F238E27FC236}">
+                <a16:creationId xmlns:a16="http://schemas.microsoft.com/office/drawing/2014/main" id="{D92F5389-9C31-F14F-9F75-50B358FC8684}"/>
+              </a:ext>
+            </a:extLst>
+          </p:cNvPr>
+          <p:cNvSpPr>
+            <a:spLocks noChangeAspect="1"/>
+          </p:cNvSpPr>
+          <p:nvPr/>
+        </p:nvSpPr>
+        <p:spPr>
+          <a:xfrm>
+            <a:off x="1978137" y="3886200"/>
+            <a:ext cx="914400" cy="914400"/>
+          </a:xfrm>
+          <a:prstGeom prst="ellipse">
+            <a:avLst/>
+          </a:prstGeom>
+          <a:ln w="127000">
+            <a:solidFill>
+              <a:schemeClr val="tx1"/>
+            </a:solidFill>
+          </a:ln>
+        </p:spPr>
+        <p:style>
+          <a:lnRef idx="2">
+            <a:schemeClr val="accent1">
+              <a:shade val="50000"/>
+            </a:schemeClr>
+          </a:lnRef>
+          <a:fillRef idx="1">
+            <a:schemeClr val="accent1"/>
+          </a:fillRef>
+          <a:effectRef idx="0">
+            <a:schemeClr val="accent1"/>
+          </a:effectRef>
+          <a:fontRef idx="minor">
+            <a:schemeClr val="lt1"/>
+          </a:fontRef>
+        </p:style>
+        <p:txBody>
+          <a:bodyPr rtlCol="0" anchor="ctr"/>
+          <a:lstStyle/>
+          <a:p>
+            <a:pPr algn="ctr"/>
+            <a:endParaRPr lang="en-US"/>
+          </a:p>
+        </p:txBody>
+      </p:sp>
+      <p:sp>
+        <p:nvSpPr>
+          <p:cNvPr id="45" name="Oval 44">
+            <a:extLst>
+              <a:ext uri="{FF2B5EF4-FFF2-40B4-BE49-F238E27FC236}">
+                <a16:creationId xmlns:a16="http://schemas.microsoft.com/office/drawing/2014/main" id="{87490342-6441-9B44-995C-E1DBB4EDE0CF}"/>
+              </a:ext>
+            </a:extLst>
+          </p:cNvPr>
+          <p:cNvSpPr>
+            <a:spLocks noChangeAspect="1"/>
+          </p:cNvSpPr>
+          <p:nvPr/>
+        </p:nvSpPr>
+        <p:spPr>
+          <a:xfrm>
+            <a:off x="2892537" y="3886200"/>
+            <a:ext cx="914400" cy="914400"/>
+          </a:xfrm>
+          <a:prstGeom prst="ellipse">
+            <a:avLst/>
+          </a:prstGeom>
+          <a:ln w="127000">
+            <a:solidFill>
+              <a:schemeClr val="tx1"/>
+            </a:solidFill>
+          </a:ln>
+        </p:spPr>
+        <p:style>
+          <a:lnRef idx="2">
+            <a:schemeClr val="accent1">
+              <a:shade val="50000"/>
+            </a:schemeClr>
+          </a:lnRef>
+          <a:fillRef idx="1">
+            <a:schemeClr val="accent1"/>
+          </a:fillRef>
+          <a:effectRef idx="0">
+            <a:schemeClr val="accent1"/>
+          </a:effectRef>
+          <a:fontRef idx="minor">
+            <a:schemeClr val="lt1"/>
+          </a:fontRef>
+        </p:style>
+        <p:txBody>
+          <a:bodyPr rtlCol="0" anchor="ctr"/>
+          <a:lstStyle/>
+          <a:p>
+            <a:pPr algn="ctr"/>
+            <a:endParaRPr lang="en-US"/>
+          </a:p>
+        </p:txBody>
+      </p:sp>
+      <p:sp>
+        <p:nvSpPr>
+          <p:cNvPr id="46" name="Oval 45">
+            <a:extLst>
+              <a:ext uri="{FF2B5EF4-FFF2-40B4-BE49-F238E27FC236}">
+                <a16:creationId xmlns:a16="http://schemas.microsoft.com/office/drawing/2014/main" id="{4EE90636-BEBD-824D-BA83-A48EF8E570C7}"/>
+              </a:ext>
+            </a:extLst>
+          </p:cNvPr>
+          <p:cNvSpPr>
+            <a:spLocks noChangeAspect="1"/>
+          </p:cNvSpPr>
+          <p:nvPr/>
+        </p:nvSpPr>
+        <p:spPr>
+          <a:xfrm>
+            <a:off x="3806937" y="3886200"/>
+            <a:ext cx="914400" cy="914400"/>
+          </a:xfrm>
+          <a:prstGeom prst="ellipse">
+            <a:avLst/>
+          </a:prstGeom>
+          <a:ln w="127000">
+            <a:solidFill>
+              <a:schemeClr val="tx1"/>
+            </a:solidFill>
+          </a:ln>
+        </p:spPr>
+        <p:style>
+          <a:lnRef idx="2">
+            <a:schemeClr val="accent1">
+              <a:shade val="50000"/>
+            </a:schemeClr>
+          </a:lnRef>
+          <a:fillRef idx="1">
+            <a:schemeClr val="accent1"/>
+          </a:fillRef>
+          <a:effectRef idx="0">
+            <a:schemeClr val="accent1"/>
+          </a:effectRef>
+          <a:fontRef idx="minor">
+            <a:schemeClr val="lt1"/>
+          </a:fontRef>
+        </p:style>
+        <p:txBody>
+          <a:bodyPr rtlCol="0" anchor="ctr"/>
+          <a:lstStyle/>
+          <a:p>
+            <a:pPr algn="ctr"/>
+            <a:endParaRPr lang="en-US"/>
+          </a:p>
+        </p:txBody>
+      </p:sp>
+      <p:sp>
+        <p:nvSpPr>
+          <p:cNvPr id="47" name="Oval 46">
+            <a:extLst>
+              <a:ext uri="{FF2B5EF4-FFF2-40B4-BE49-F238E27FC236}">
+                <a16:creationId xmlns:a16="http://schemas.microsoft.com/office/drawing/2014/main" id="{D7521FBC-0879-3F48-8D2B-F41E6D22718B}"/>
+              </a:ext>
+            </a:extLst>
+          </p:cNvPr>
+          <p:cNvSpPr>
+            <a:spLocks noChangeAspect="1"/>
+          </p:cNvSpPr>
+          <p:nvPr/>
+        </p:nvSpPr>
+        <p:spPr>
+          <a:xfrm>
+            <a:off x="4721337" y="3886200"/>
+            <a:ext cx="914400" cy="914400"/>
+          </a:xfrm>
+          <a:prstGeom prst="ellipse">
+            <a:avLst/>
+          </a:prstGeom>
+          <a:ln w="127000">
+            <a:solidFill>
+              <a:schemeClr val="tx1"/>
+            </a:solidFill>
+          </a:ln>
+        </p:spPr>
+        <p:style>
+          <a:lnRef idx="2">
+            <a:schemeClr val="accent1">
+              <a:shade val="50000"/>
+            </a:schemeClr>
+          </a:lnRef>
+          <a:fillRef idx="1">
+            <a:schemeClr val="accent1"/>
+          </a:fillRef>
+          <a:effectRef idx="0">
+            <a:schemeClr val="accent1"/>
+          </a:effectRef>
+          <a:fontRef idx="minor">
+            <a:schemeClr val="lt1"/>
+          </a:fontRef>
+        </p:style>
+        <p:txBody>
+          <a:bodyPr rtlCol="0" anchor="ctr"/>
+          <a:lstStyle/>
+          <a:p>
+            <a:pPr algn="ctr"/>
+            <a:endParaRPr lang="en-US"/>
+          </a:p>
+        </p:txBody>
+      </p:sp>
+      <p:sp>
+        <p:nvSpPr>
+          <p:cNvPr id="48" name="Oval 47">
+            <a:extLst>
+              <a:ext uri="{FF2B5EF4-FFF2-40B4-BE49-F238E27FC236}">
+                <a16:creationId xmlns:a16="http://schemas.microsoft.com/office/drawing/2014/main" id="{F5DDD681-1416-9146-A3A3-9545C5A5933B}"/>
+              </a:ext>
+            </a:extLst>
+          </p:cNvPr>
+          <p:cNvSpPr>
+            <a:spLocks noChangeAspect="1"/>
+          </p:cNvSpPr>
+          <p:nvPr/>
+        </p:nvSpPr>
+        <p:spPr>
+          <a:xfrm>
+            <a:off x="5635737" y="3886200"/>
+            <a:ext cx="914400" cy="914400"/>
+          </a:xfrm>
+          <a:prstGeom prst="ellipse">
+            <a:avLst/>
+          </a:prstGeom>
+          <a:ln w="127000">
+            <a:solidFill>
+              <a:schemeClr val="tx1"/>
+            </a:solidFill>
+          </a:ln>
+        </p:spPr>
+        <p:style>
+          <a:lnRef idx="2">
+            <a:schemeClr val="accent1">
+              <a:shade val="50000"/>
+            </a:schemeClr>
+          </a:lnRef>
+          <a:fillRef idx="1">
+            <a:schemeClr val="accent1"/>
+          </a:fillRef>
+          <a:effectRef idx="0">
+            <a:schemeClr val="accent1"/>
+          </a:effectRef>
+          <a:fontRef idx="minor">
+            <a:schemeClr val="lt1"/>
+          </a:fontRef>
+        </p:style>
+        <p:txBody>
+          <a:bodyPr rtlCol="0" anchor="ctr"/>
+          <a:lstStyle/>
+          <a:p>
+            <a:pPr algn="ctr"/>
+            <a:endParaRPr lang="en-US"/>
+          </a:p>
+        </p:txBody>
+      </p:sp>
+      <p:sp>
+        <p:nvSpPr>
+          <p:cNvPr id="49" name="Oval 48">
+            <a:extLst>
+              <a:ext uri="{FF2B5EF4-FFF2-40B4-BE49-F238E27FC236}">
+                <a16:creationId xmlns:a16="http://schemas.microsoft.com/office/drawing/2014/main" id="{9E8027B1-EC23-1A43-B7FF-1B6949518476}"/>
+              </a:ext>
+            </a:extLst>
+          </p:cNvPr>
+          <p:cNvSpPr>
+            <a:spLocks noChangeAspect="1"/>
+          </p:cNvSpPr>
+          <p:nvPr/>
+        </p:nvSpPr>
+        <p:spPr>
+          <a:xfrm>
+            <a:off x="6550137" y="3886200"/>
+            <a:ext cx="914400" cy="914400"/>
+          </a:xfrm>
+          <a:prstGeom prst="ellipse">
+            <a:avLst/>
+          </a:prstGeom>
+          <a:ln w="127000">
+            <a:solidFill>
+              <a:schemeClr val="tx1"/>
+            </a:solidFill>
+          </a:ln>
+        </p:spPr>
+        <p:style>
+          <a:lnRef idx="2">
+            <a:schemeClr val="accent1">
+              <a:shade val="50000"/>
+            </a:schemeClr>
+          </a:lnRef>
+          <a:fillRef idx="1">
+            <a:schemeClr val="accent1"/>
+          </a:fillRef>
+          <a:effectRef idx="0">
+            <a:schemeClr val="accent1"/>
+          </a:effectRef>
+          <a:fontRef idx="minor">
+            <a:schemeClr val="lt1"/>
+          </a:fontRef>
+        </p:style>
+        <p:txBody>
+          <a:bodyPr rtlCol="0" anchor="ctr"/>
+          <a:lstStyle/>
+          <a:p>
+            <a:pPr algn="ctr"/>
+            <a:endParaRPr lang="en-US"/>
+          </a:p>
+        </p:txBody>
+      </p:sp>
+      <p:sp>
+        <p:nvSpPr>
+          <p:cNvPr id="50" name="Oval 49">
+            <a:extLst>
+              <a:ext uri="{FF2B5EF4-FFF2-40B4-BE49-F238E27FC236}">
+                <a16:creationId xmlns:a16="http://schemas.microsoft.com/office/drawing/2014/main" id="{8FAD73D5-00CE-6F4C-8550-8C48FB3A9A97}"/>
+              </a:ext>
+            </a:extLst>
+          </p:cNvPr>
+          <p:cNvSpPr>
+            <a:spLocks noChangeAspect="1"/>
+          </p:cNvSpPr>
+          <p:nvPr/>
+        </p:nvSpPr>
+        <p:spPr>
+          <a:xfrm>
+            <a:off x="7464537" y="3886200"/>
+            <a:ext cx="914400" cy="914400"/>
+          </a:xfrm>
+          <a:prstGeom prst="ellipse">
+            <a:avLst/>
+          </a:prstGeom>
+          <a:ln w="127000">
+            <a:solidFill>
+              <a:schemeClr val="tx1"/>
+            </a:solidFill>
+          </a:ln>
+        </p:spPr>
+        <p:style>
+          <a:lnRef idx="2">
+            <a:schemeClr val="accent1">
+              <a:shade val="50000"/>
+            </a:schemeClr>
+          </a:lnRef>
+          <a:fillRef idx="1">
+            <a:schemeClr val="accent1"/>
+          </a:fillRef>
+          <a:effectRef idx="0">
+            <a:schemeClr val="accent1"/>
+          </a:effectRef>
+          <a:fontRef idx="minor">
+            <a:schemeClr val="lt1"/>
+          </a:fontRef>
+        </p:style>
+        <p:txBody>
+          <a:bodyPr rtlCol="0" anchor="ctr"/>
+          <a:lstStyle/>
+          <a:p>
+            <a:pPr algn="ctr"/>
+            <a:endParaRPr lang="en-US"/>
+          </a:p>
+        </p:txBody>
+      </p:sp>
+      <p:sp>
+        <p:nvSpPr>
+          <p:cNvPr id="51" name="Oval 50">
+            <a:extLst>
+              <a:ext uri="{FF2B5EF4-FFF2-40B4-BE49-F238E27FC236}">
+                <a16:creationId xmlns:a16="http://schemas.microsoft.com/office/drawing/2014/main" id="{BB4DF7A2-8DCE-EC41-AE42-CFB63A3C0179}"/>
+              </a:ext>
+            </a:extLst>
+          </p:cNvPr>
+          <p:cNvSpPr>
+            <a:spLocks noChangeAspect="1"/>
+          </p:cNvSpPr>
+          <p:nvPr/>
+        </p:nvSpPr>
+        <p:spPr>
+          <a:xfrm>
+            <a:off x="8378937" y="3886200"/>
+            <a:ext cx="914400" cy="914400"/>
+          </a:xfrm>
+          <a:prstGeom prst="ellipse">
+            <a:avLst/>
+          </a:prstGeom>
+          <a:ln w="127000">
+            <a:solidFill>
+              <a:schemeClr val="tx1"/>
+            </a:solidFill>
+          </a:ln>
+        </p:spPr>
+        <p:style>
+          <a:lnRef idx="2">
+            <a:schemeClr val="accent1">
+              <a:shade val="50000"/>
+            </a:schemeClr>
+          </a:lnRef>
+          <a:fillRef idx="1">
+            <a:schemeClr val="accent1"/>
+          </a:fillRef>
+          <a:effectRef idx="0">
+            <a:schemeClr val="accent1"/>
+          </a:effectRef>
+          <a:fontRef idx="minor">
+            <a:schemeClr val="lt1"/>
+          </a:fontRef>
+        </p:style>
+        <p:txBody>
+          <a:bodyPr rtlCol="0" anchor="ctr"/>
+          <a:lstStyle/>
+          <a:p>
+            <a:pPr algn="ctr"/>
+            <a:endParaRPr lang="en-US"/>
+          </a:p>
+        </p:txBody>
+      </p:sp>
+      <p:sp>
+        <p:nvSpPr>
+          <p:cNvPr id="52" name="Oval 51">
+            <a:extLst>
+              <a:ext uri="{FF2B5EF4-FFF2-40B4-BE49-F238E27FC236}">
+                <a16:creationId xmlns:a16="http://schemas.microsoft.com/office/drawing/2014/main" id="{D72BF718-EAC4-0946-9444-B9556A7B33B6}"/>
+              </a:ext>
+            </a:extLst>
+          </p:cNvPr>
+          <p:cNvSpPr>
+            <a:spLocks noChangeAspect="1"/>
+          </p:cNvSpPr>
+          <p:nvPr/>
+        </p:nvSpPr>
+        <p:spPr>
+          <a:xfrm>
+            <a:off x="1978137" y="2743200"/>
+            <a:ext cx="914400" cy="914400"/>
+          </a:xfrm>
+          <a:prstGeom prst="ellipse">
+            <a:avLst/>
+          </a:prstGeom>
+          <a:solidFill>
+            <a:srgbClr val="FF0000"/>
+          </a:solidFill>
+          <a:ln w="127000">
+            <a:solidFill>
+              <a:schemeClr val="tx1"/>
+            </a:solidFill>
+          </a:ln>
+        </p:spPr>
+        <p:style>
+          <a:lnRef idx="2">
+            <a:schemeClr val="accent1">
+              <a:shade val="50000"/>
+            </a:schemeClr>
+          </a:lnRef>
+          <a:fillRef idx="1">
+            <a:schemeClr val="accent1"/>
+          </a:fillRef>
+          <a:effectRef idx="0">
+            <a:schemeClr val="accent1"/>
+          </a:effectRef>
+          <a:fontRef idx="minor">
+            <a:schemeClr val="lt1"/>
+          </a:fontRef>
+        </p:style>
+        <p:txBody>
+          <a:bodyPr rtlCol="0" anchor="ctr"/>
+          <a:lstStyle/>
+          <a:p>
+            <a:pPr algn="ctr"/>
+            <a:endParaRPr lang="en-US" dirty="0"/>
+          </a:p>
+        </p:txBody>
+      </p:sp>
+      <p:sp>
+        <p:nvSpPr>
+          <p:cNvPr id="53" name="Oval 52">
+            <a:extLst>
+              <a:ext uri="{FF2B5EF4-FFF2-40B4-BE49-F238E27FC236}">
+                <a16:creationId xmlns:a16="http://schemas.microsoft.com/office/drawing/2014/main" id="{DAC21103-9B67-E345-B0C9-3C1E59A4EC5C}"/>
+              </a:ext>
+            </a:extLst>
+          </p:cNvPr>
+          <p:cNvSpPr>
+            <a:spLocks noChangeAspect="1"/>
+          </p:cNvSpPr>
+          <p:nvPr/>
+        </p:nvSpPr>
+        <p:spPr>
+          <a:xfrm>
+            <a:off x="9293337" y="2743200"/>
+            <a:ext cx="914400" cy="914400"/>
+          </a:xfrm>
+          <a:prstGeom prst="ellipse">
+            <a:avLst/>
+          </a:prstGeom>
+          <a:solidFill>
+            <a:srgbClr val="FF0000"/>
+          </a:solidFill>
+          <a:ln w="127000">
+            <a:solidFill>
+              <a:schemeClr val="tx1"/>
+            </a:solidFill>
+          </a:ln>
+        </p:spPr>
+        <p:style>
+          <a:lnRef idx="2">
+            <a:schemeClr val="accent1">
+              <a:shade val="50000"/>
+            </a:schemeClr>
+          </a:lnRef>
+          <a:fillRef idx="1">
+            <a:schemeClr val="accent1"/>
+          </a:fillRef>
+          <a:effectRef idx="0">
+            <a:schemeClr val="accent1"/>
+          </a:effectRef>
+          <a:fontRef idx="minor">
+            <a:schemeClr val="lt1"/>
+          </a:fontRef>
+        </p:style>
+        <p:txBody>
+          <a:bodyPr rtlCol="0" anchor="ctr"/>
+          <a:lstStyle/>
+          <a:p>
+            <a:pPr algn="ctr"/>
+            <a:endParaRPr lang="en-US"/>
+          </a:p>
+        </p:txBody>
+      </p:sp>
+      <p:sp>
+        <p:nvSpPr>
+          <p:cNvPr id="4" name="Oval 3">
+            <a:extLst>
+              <a:ext uri="{FF2B5EF4-FFF2-40B4-BE49-F238E27FC236}">
+                <a16:creationId xmlns:a16="http://schemas.microsoft.com/office/drawing/2014/main" id="{C36282B0-352B-CB4C-9BCD-CEE56543BAB6}"/>
+              </a:ext>
+            </a:extLst>
+          </p:cNvPr>
+          <p:cNvSpPr>
+            <a:spLocks noChangeAspect="1"/>
+          </p:cNvSpPr>
+          <p:nvPr/>
+        </p:nvSpPr>
+        <p:spPr>
+          <a:xfrm>
+            <a:off x="2892537" y="2743200"/>
+            <a:ext cx="1828800" cy="914400"/>
+          </a:xfrm>
+          <a:prstGeom prst="ellipse">
+            <a:avLst/>
+          </a:prstGeom>
+          <a:solidFill>
+            <a:srgbClr val="00B050"/>
+          </a:solidFill>
+          <a:ln w="127000">
+            <a:solidFill>
+              <a:schemeClr val="tx1"/>
+            </a:solidFill>
+          </a:ln>
+        </p:spPr>
+        <p:style>
+          <a:lnRef idx="2">
+            <a:schemeClr val="accent1">
+              <a:shade val="50000"/>
+            </a:schemeClr>
+          </a:lnRef>
+          <a:fillRef idx="1">
+            <a:schemeClr val="accent1"/>
+          </a:fillRef>
+          <a:effectRef idx="0">
+            <a:schemeClr val="accent1"/>
+          </a:effectRef>
+          <a:fontRef idx="minor">
+            <a:schemeClr val="lt1"/>
+          </a:fontRef>
+        </p:style>
+        <p:txBody>
+          <a:bodyPr rtlCol="0" anchor="ctr"/>
+          <a:lstStyle/>
+          <a:p>
+            <a:pPr algn="ctr"/>
+            <a:endParaRPr lang="en-US"/>
+          </a:p>
+        </p:txBody>
+      </p:sp>
+      <p:sp>
+        <p:nvSpPr>
+          <p:cNvPr id="54" name="Oval 53">
+            <a:extLst>
+              <a:ext uri="{FF2B5EF4-FFF2-40B4-BE49-F238E27FC236}">
+                <a16:creationId xmlns:a16="http://schemas.microsoft.com/office/drawing/2014/main" id="{C9A5F9DD-3048-3746-9B99-F9ABD64C1B3B}"/>
+              </a:ext>
+            </a:extLst>
+          </p:cNvPr>
+          <p:cNvSpPr>
+            <a:spLocks noChangeAspect="1"/>
+          </p:cNvSpPr>
+          <p:nvPr/>
+        </p:nvSpPr>
+        <p:spPr>
+          <a:xfrm>
+            <a:off x="7464537" y="2743200"/>
+            <a:ext cx="1828800" cy="914400"/>
+          </a:xfrm>
+          <a:prstGeom prst="ellipse">
+            <a:avLst/>
+          </a:prstGeom>
+          <a:solidFill>
+            <a:srgbClr val="00B050"/>
+          </a:solidFill>
+          <a:ln w="127000">
+            <a:solidFill>
+              <a:schemeClr val="tx1"/>
+            </a:solidFill>
+          </a:ln>
+        </p:spPr>
+        <p:style>
+          <a:lnRef idx="2">
+            <a:schemeClr val="accent1">
+              <a:shade val="50000"/>
+            </a:schemeClr>
+          </a:lnRef>
+          <a:fillRef idx="1">
+            <a:schemeClr val="accent1"/>
+          </a:fillRef>
+          <a:effectRef idx="0">
+            <a:schemeClr val="accent1"/>
+          </a:effectRef>
+          <a:fontRef idx="minor">
+            <a:schemeClr val="lt1"/>
+          </a:fontRef>
+        </p:style>
+        <p:txBody>
+          <a:bodyPr rtlCol="0" anchor="ctr"/>
+          <a:lstStyle/>
+          <a:p>
+            <a:pPr algn="ctr"/>
+            <a:endParaRPr lang="en-US"/>
+          </a:p>
+        </p:txBody>
+      </p:sp>
+      <p:sp>
+        <p:nvSpPr>
+          <p:cNvPr id="55" name="Oval 54">
+            <a:extLst>
+              <a:ext uri="{FF2B5EF4-FFF2-40B4-BE49-F238E27FC236}">
+                <a16:creationId xmlns:a16="http://schemas.microsoft.com/office/drawing/2014/main" id="{91933C61-2867-7941-9CD6-93B6EA1F84BE}"/>
+              </a:ext>
+            </a:extLst>
+          </p:cNvPr>
+          <p:cNvSpPr>
+            <a:spLocks noChangeAspect="1"/>
+          </p:cNvSpPr>
+          <p:nvPr/>
+        </p:nvSpPr>
+        <p:spPr>
+          <a:xfrm>
+            <a:off x="9299462" y="3886200"/>
+            <a:ext cx="914400" cy="914400"/>
+          </a:xfrm>
+          <a:prstGeom prst="ellipse">
+            <a:avLst/>
+          </a:prstGeom>
+          <a:ln w="127000">
+            <a:solidFill>
+              <a:schemeClr val="tx1"/>
+            </a:solidFill>
+          </a:ln>
+        </p:spPr>
+        <p:style>
+          <a:lnRef idx="2">
+            <a:schemeClr val="accent1">
+              <a:shade val="50000"/>
+            </a:schemeClr>
+          </a:lnRef>
+          <a:fillRef idx="1">
+            <a:schemeClr val="accent1"/>
+          </a:fillRef>
+          <a:effectRef idx="0">
+            <a:schemeClr val="accent1"/>
+          </a:effectRef>
+          <a:fontRef idx="minor">
+            <a:schemeClr val="lt1"/>
+          </a:fontRef>
+        </p:style>
+        <p:txBody>
+          <a:bodyPr rtlCol="0" anchor="ctr"/>
+          <a:lstStyle/>
+          <a:p>
+            <a:pPr algn="ctr"/>
+            <a:endParaRPr lang="en-US"/>
+          </a:p>
+        </p:txBody>
+      </p:sp>
+      <p:sp>
+        <p:nvSpPr>
+          <p:cNvPr id="17" name="TextBox 16">
+            <a:extLst>
+              <a:ext uri="{FF2B5EF4-FFF2-40B4-BE49-F238E27FC236}">
+                <a16:creationId xmlns:a16="http://schemas.microsoft.com/office/drawing/2014/main" id="{D4A89CEF-616F-3340-A042-97AADA673D9B}"/>
+              </a:ext>
+            </a:extLst>
+          </p:cNvPr>
+          <p:cNvSpPr txBox="1"/>
+          <p:nvPr/>
+        </p:nvSpPr>
+        <p:spPr>
+          <a:xfrm>
+            <a:off x="3499119" y="5033202"/>
+            <a:ext cx="5187639" cy="1754326"/>
+          </a:xfrm>
+          <a:prstGeom prst="rect">
+            <a:avLst/>
+          </a:prstGeom>
+          <a:noFill/>
+        </p:spPr>
+        <p:txBody>
+          <a:bodyPr wrap="none" rtlCol="0">
+            <a:spAutoFit/>
+          </a:bodyPr>
+          <a:lstStyle/>
+          <a:p>
+            <a:pPr algn="ctr"/>
+            <a:r>
+              <a:rPr lang="en-US" sz="10800" dirty="0">
+                <a:latin typeface="Arial" panose="020B0604020202020204" pitchFamily="34" charset="0"/>
+                <a:cs typeface="Arial" panose="020B0604020202020204" pitchFamily="34" charset="0"/>
+              </a:rPr>
+              <a:t>PHYS-2</a:t>
+            </a:r>
+          </a:p>
+        </p:txBody>
+      </p:sp>
+      <p:sp>
+        <p:nvSpPr>
+          <p:cNvPr id="18" name="TextBox 17">
+            <a:extLst>
+              <a:ext uri="{FF2B5EF4-FFF2-40B4-BE49-F238E27FC236}">
+                <a16:creationId xmlns:a16="http://schemas.microsoft.com/office/drawing/2014/main" id="{33E3B004-2F0E-4D48-9427-086E74B8B051}"/>
+              </a:ext>
+            </a:extLst>
+          </p:cNvPr>
+          <p:cNvSpPr txBox="1"/>
+          <p:nvPr/>
+        </p:nvSpPr>
+        <p:spPr>
+          <a:xfrm>
+            <a:off x="611417" y="0"/>
+            <a:ext cx="4322017" cy="1200329"/>
+          </a:xfrm>
+          <a:prstGeom prst="rect">
+            <a:avLst/>
+          </a:prstGeom>
+          <a:noFill/>
+        </p:spPr>
+        <p:txBody>
+          <a:bodyPr wrap="none" rtlCol="0">
+            <a:spAutoFit/>
+          </a:bodyPr>
+          <a:lstStyle/>
+          <a:p>
+            <a:r>
+              <a:rPr lang="en-US" sz="7200" b="1" dirty="0">
+                <a:solidFill>
+                  <a:srgbClr val="C00000"/>
+                </a:solidFill>
+              </a:rPr>
+              <a:t>Do not use</a:t>
+            </a:r>
+          </a:p>
+        </p:txBody>
+      </p:sp>
+    </p:spTree>
+    <p:extLst>
+      <p:ext uri="{BB962C8B-B14F-4D97-AF65-F5344CB8AC3E}">
+        <p14:creationId xmlns:p14="http://schemas.microsoft.com/office/powerpoint/2010/main" val="602615702"/>
+      </p:ext>
+    </p:extLst>
+  </p:cSld>
+  <p:clrMapOvr>
+    <a:masterClrMapping/>
+  </p:clrMapOvr>
+</p:sld>
+</file>
+
+<file path=ppt/slides/slide30.xml><?xml version="1.0" encoding="utf-8"?>
+<p:sld xmlns:a="http://schemas.openxmlformats.org/drawingml/2006/main" xmlns:r="http://schemas.openxmlformats.org/officeDocument/2006/relationships" xmlns:p="http://schemas.openxmlformats.org/presentationml/2006/main">
+  <p:cSld>
+    <p:spTree>
+      <p:nvGrpSpPr>
+        <p:cNvPr id="1" name=""/>
+        <p:cNvGrpSpPr/>
+        <p:nvPr/>
+      </p:nvGrpSpPr>
+      <p:grpSpPr>
+        <a:xfrm>
+          <a:off x="0" y="0"/>
+          <a:ext cx="0" cy="0"/>
+          <a:chOff x="0" y="0"/>
+          <a:chExt cx="0" cy="0"/>
+        </a:xfrm>
+      </p:grpSpPr>
+      <p:sp>
+        <p:nvSpPr>
+          <p:cNvPr id="46" name="Oval 45">
+            <a:extLst>
+              <a:ext uri="{FF2B5EF4-FFF2-40B4-BE49-F238E27FC236}">
+                <a16:creationId xmlns:a16="http://schemas.microsoft.com/office/drawing/2014/main" id="{4EE90636-BEBD-824D-BA83-A48EF8E570C7}"/>
+              </a:ext>
+            </a:extLst>
+          </p:cNvPr>
+          <p:cNvSpPr>
+            <a:spLocks noChangeAspect="1"/>
+          </p:cNvSpPr>
+          <p:nvPr/>
+        </p:nvSpPr>
+        <p:spPr>
+          <a:xfrm>
+            <a:off x="3806937" y="3886200"/>
+            <a:ext cx="914400" cy="914400"/>
+          </a:xfrm>
+          <a:prstGeom prst="ellipse">
+            <a:avLst/>
+          </a:prstGeom>
+          <a:ln w="127000">
+            <a:solidFill>
+              <a:schemeClr val="tx1"/>
+            </a:solidFill>
+          </a:ln>
+        </p:spPr>
+        <p:style>
+          <a:lnRef idx="2">
+            <a:schemeClr val="accent1">
+              <a:shade val="50000"/>
+            </a:schemeClr>
+          </a:lnRef>
+          <a:fillRef idx="1">
+            <a:schemeClr val="accent1"/>
+          </a:fillRef>
+          <a:effectRef idx="0">
+            <a:schemeClr val="accent1"/>
+          </a:effectRef>
+          <a:fontRef idx="minor">
+            <a:schemeClr val="lt1"/>
+          </a:fontRef>
+        </p:style>
+        <p:txBody>
+          <a:bodyPr rtlCol="0" anchor="ctr"/>
+          <a:lstStyle/>
+          <a:p>
+            <a:pPr algn="ctr"/>
+            <a:endParaRPr lang="en-US"/>
+          </a:p>
+        </p:txBody>
+      </p:sp>
+      <p:sp>
+        <p:nvSpPr>
+          <p:cNvPr id="47" name="Oval 46">
+            <a:extLst>
+              <a:ext uri="{FF2B5EF4-FFF2-40B4-BE49-F238E27FC236}">
+                <a16:creationId xmlns:a16="http://schemas.microsoft.com/office/drawing/2014/main" id="{D7521FBC-0879-3F48-8D2B-F41E6D22718B}"/>
+              </a:ext>
+            </a:extLst>
+          </p:cNvPr>
+          <p:cNvSpPr>
+            <a:spLocks noChangeAspect="1"/>
+          </p:cNvSpPr>
+          <p:nvPr/>
+        </p:nvSpPr>
+        <p:spPr>
+          <a:xfrm>
+            <a:off x="4721337" y="3886200"/>
+            <a:ext cx="914400" cy="914400"/>
+          </a:xfrm>
+          <a:prstGeom prst="ellipse">
+            <a:avLst/>
+          </a:prstGeom>
+          <a:ln w="127000">
+            <a:solidFill>
+              <a:schemeClr val="tx1"/>
+            </a:solidFill>
+          </a:ln>
+        </p:spPr>
+        <p:style>
+          <a:lnRef idx="2">
+            <a:schemeClr val="accent1">
+              <a:shade val="50000"/>
+            </a:schemeClr>
+          </a:lnRef>
+          <a:fillRef idx="1">
+            <a:schemeClr val="accent1"/>
+          </a:fillRef>
+          <a:effectRef idx="0">
+            <a:schemeClr val="accent1"/>
+          </a:effectRef>
+          <a:fontRef idx="minor">
+            <a:schemeClr val="lt1"/>
+          </a:fontRef>
+        </p:style>
+        <p:txBody>
+          <a:bodyPr rtlCol="0" anchor="ctr"/>
+          <a:lstStyle/>
+          <a:p>
+            <a:pPr algn="ctr"/>
+            <a:endParaRPr lang="en-US"/>
+          </a:p>
+        </p:txBody>
+      </p:sp>
+      <p:sp>
+        <p:nvSpPr>
+          <p:cNvPr id="49" name="Oval 48">
+            <a:extLst>
+              <a:ext uri="{FF2B5EF4-FFF2-40B4-BE49-F238E27FC236}">
+                <a16:creationId xmlns:a16="http://schemas.microsoft.com/office/drawing/2014/main" id="{9E8027B1-EC23-1A43-B7FF-1B6949518476}"/>
+              </a:ext>
+            </a:extLst>
+          </p:cNvPr>
+          <p:cNvSpPr>
+            <a:spLocks noChangeAspect="1"/>
+          </p:cNvSpPr>
+          <p:nvPr/>
+        </p:nvSpPr>
+        <p:spPr>
+          <a:xfrm>
+            <a:off x="5632704" y="3886200"/>
+            <a:ext cx="914400" cy="914400"/>
+          </a:xfrm>
+          <a:prstGeom prst="ellipse">
+            <a:avLst/>
+          </a:prstGeom>
+          <a:ln w="127000">
+            <a:solidFill>
+              <a:schemeClr val="tx1"/>
+            </a:solidFill>
+          </a:ln>
+        </p:spPr>
+        <p:style>
+          <a:lnRef idx="2">
+            <a:schemeClr val="accent1">
+              <a:shade val="50000"/>
+            </a:schemeClr>
+          </a:lnRef>
+          <a:fillRef idx="1">
+            <a:schemeClr val="accent1"/>
+          </a:fillRef>
+          <a:effectRef idx="0">
+            <a:schemeClr val="accent1"/>
+          </a:effectRef>
+          <a:fontRef idx="minor">
+            <a:schemeClr val="lt1"/>
+          </a:fontRef>
+        </p:style>
+        <p:txBody>
+          <a:bodyPr rtlCol="0" anchor="ctr"/>
+          <a:lstStyle/>
+          <a:p>
+            <a:pPr algn="ctr"/>
+            <a:endParaRPr lang="en-US"/>
+          </a:p>
+        </p:txBody>
+      </p:sp>
+      <p:sp>
+        <p:nvSpPr>
+          <p:cNvPr id="50" name="Oval 49">
+            <a:extLst>
+              <a:ext uri="{FF2B5EF4-FFF2-40B4-BE49-F238E27FC236}">
+                <a16:creationId xmlns:a16="http://schemas.microsoft.com/office/drawing/2014/main" id="{8FAD73D5-00CE-6F4C-8550-8C48FB3A9A97}"/>
+              </a:ext>
+            </a:extLst>
+          </p:cNvPr>
+          <p:cNvSpPr>
+            <a:spLocks noChangeAspect="1"/>
+          </p:cNvSpPr>
+          <p:nvPr/>
+        </p:nvSpPr>
+        <p:spPr>
+          <a:xfrm>
+            <a:off x="7464537" y="3886200"/>
+            <a:ext cx="914400" cy="914400"/>
+          </a:xfrm>
+          <a:prstGeom prst="ellipse">
+            <a:avLst/>
+          </a:prstGeom>
+          <a:ln w="127000">
+            <a:solidFill>
+              <a:schemeClr val="tx1"/>
+            </a:solidFill>
+          </a:ln>
+        </p:spPr>
+        <p:style>
+          <a:lnRef idx="2">
+            <a:schemeClr val="accent1">
+              <a:shade val="50000"/>
+            </a:schemeClr>
+          </a:lnRef>
+          <a:fillRef idx="1">
+            <a:schemeClr val="accent1"/>
+          </a:fillRef>
+          <a:effectRef idx="0">
+            <a:schemeClr val="accent1"/>
+          </a:effectRef>
+          <a:fontRef idx="minor">
+            <a:schemeClr val="lt1"/>
+          </a:fontRef>
+        </p:style>
+        <p:txBody>
+          <a:bodyPr rtlCol="0" anchor="ctr"/>
+          <a:lstStyle/>
+          <a:p>
+            <a:pPr algn="ctr"/>
+            <a:endParaRPr lang="en-US"/>
+          </a:p>
+        </p:txBody>
+      </p:sp>
+      <p:sp>
+        <p:nvSpPr>
+          <p:cNvPr id="51" name="Oval 50">
+            <a:extLst>
+              <a:ext uri="{FF2B5EF4-FFF2-40B4-BE49-F238E27FC236}">
+                <a16:creationId xmlns:a16="http://schemas.microsoft.com/office/drawing/2014/main" id="{BB4DF7A2-8DCE-EC41-AE42-CFB63A3C0179}"/>
+              </a:ext>
+            </a:extLst>
+          </p:cNvPr>
+          <p:cNvSpPr>
+            <a:spLocks noChangeAspect="1"/>
+          </p:cNvSpPr>
+          <p:nvPr/>
+        </p:nvSpPr>
+        <p:spPr>
+          <a:xfrm>
+            <a:off x="8378937" y="3886200"/>
+            <a:ext cx="914400" cy="914400"/>
+          </a:xfrm>
+          <a:prstGeom prst="ellipse">
+            <a:avLst/>
+          </a:prstGeom>
+          <a:ln w="127000">
+            <a:solidFill>
+              <a:schemeClr val="tx1"/>
+            </a:solidFill>
+          </a:ln>
+        </p:spPr>
+        <p:style>
+          <a:lnRef idx="2">
+            <a:schemeClr val="accent1">
+              <a:shade val="50000"/>
+            </a:schemeClr>
+          </a:lnRef>
+          <a:fillRef idx="1">
+            <a:schemeClr val="accent1"/>
+          </a:fillRef>
+          <a:effectRef idx="0">
+            <a:schemeClr val="accent1"/>
+          </a:effectRef>
+          <a:fontRef idx="minor">
+            <a:schemeClr val="lt1"/>
+          </a:fontRef>
+        </p:style>
+        <p:txBody>
+          <a:bodyPr rtlCol="0" anchor="ctr"/>
+          <a:lstStyle/>
+          <a:p>
+            <a:pPr algn="ctr"/>
+            <a:endParaRPr lang="en-US"/>
+          </a:p>
+        </p:txBody>
+      </p:sp>
+      <p:sp>
+        <p:nvSpPr>
+          <p:cNvPr id="55" name="Oval 54">
+            <a:extLst>
+              <a:ext uri="{FF2B5EF4-FFF2-40B4-BE49-F238E27FC236}">
+                <a16:creationId xmlns:a16="http://schemas.microsoft.com/office/drawing/2014/main" id="{91933C61-2867-7941-9CD6-93B6EA1F84BE}"/>
+              </a:ext>
+            </a:extLst>
+          </p:cNvPr>
+          <p:cNvSpPr>
+            <a:spLocks noChangeAspect="1"/>
+          </p:cNvSpPr>
+          <p:nvPr/>
+        </p:nvSpPr>
+        <p:spPr>
+          <a:xfrm>
+            <a:off x="9299462" y="3886200"/>
+            <a:ext cx="914400" cy="914400"/>
+          </a:xfrm>
+          <a:prstGeom prst="ellipse">
+            <a:avLst/>
+          </a:prstGeom>
+          <a:ln w="127000">
+            <a:solidFill>
+              <a:schemeClr val="tx1"/>
+            </a:solidFill>
+          </a:ln>
+        </p:spPr>
+        <p:style>
+          <a:lnRef idx="2">
+            <a:schemeClr val="accent1">
+              <a:shade val="50000"/>
+            </a:schemeClr>
+          </a:lnRef>
+          <a:fillRef idx="1">
+            <a:schemeClr val="accent1"/>
+          </a:fillRef>
+          <a:effectRef idx="0">
+            <a:schemeClr val="accent1"/>
+          </a:effectRef>
+          <a:fontRef idx="minor">
+            <a:schemeClr val="lt1"/>
+          </a:fontRef>
+        </p:style>
+        <p:txBody>
+          <a:bodyPr rtlCol="0" anchor="ctr"/>
+          <a:lstStyle/>
+          <a:p>
+            <a:pPr algn="ctr"/>
+            <a:endParaRPr lang="en-US"/>
+          </a:p>
+        </p:txBody>
+      </p:sp>
+      <p:sp>
+        <p:nvSpPr>
+          <p:cNvPr id="17" name="TextBox 16">
+            <a:extLst>
+              <a:ext uri="{FF2B5EF4-FFF2-40B4-BE49-F238E27FC236}">
+                <a16:creationId xmlns:a16="http://schemas.microsoft.com/office/drawing/2014/main" id="{14EBCD33-F7D4-CF49-8F32-C15C733729EB}"/>
+              </a:ext>
+            </a:extLst>
+          </p:cNvPr>
+          <p:cNvSpPr txBox="1"/>
+          <p:nvPr/>
+        </p:nvSpPr>
+        <p:spPr>
+          <a:xfrm>
+            <a:off x="611417" y="0"/>
+            <a:ext cx="8146013" cy="1200329"/>
+          </a:xfrm>
+          <a:prstGeom prst="rect">
+            <a:avLst/>
+          </a:prstGeom>
+          <a:noFill/>
+        </p:spPr>
+        <p:txBody>
+          <a:bodyPr wrap="none" rtlCol="0">
+            <a:spAutoFit/>
+          </a:bodyPr>
+          <a:lstStyle/>
+          <a:p>
+            <a:r>
+              <a:rPr lang="en-US" sz="7200" b="1" dirty="0">
+                <a:solidFill>
+                  <a:srgbClr val="00B050"/>
+                </a:solidFill>
+              </a:rPr>
+              <a:t>5 existing </a:t>
+            </a:r>
+            <a:r>
+              <a:rPr lang="en-US" sz="7200" b="1" dirty="0">
+                <a:solidFill>
+                  <a:srgbClr val="C00000"/>
+                </a:solidFill>
+              </a:rPr>
+              <a:t>Do not use</a:t>
+            </a:r>
+            <a:endParaRPr lang="en-US" sz="7200" b="1" dirty="0">
+              <a:solidFill>
+                <a:srgbClr val="00B050"/>
+              </a:solidFill>
+            </a:endParaRPr>
           </a:p>
         </p:txBody>
       </p:sp>
@@ -25359,7 +27300,7 @@
 </p:sld>
 </file>
 
-<file path=ppt/slides/slide3.xml><?xml version="1.0" encoding="utf-8"?>
+<file path=ppt/slides/slide31.xml><?xml version="1.0" encoding="utf-8"?>
 <p:sld xmlns:a="http://schemas.openxmlformats.org/drawingml/2006/main" xmlns:r="http://schemas.openxmlformats.org/officeDocument/2006/relationships" xmlns:p="http://schemas.openxmlformats.org/presentationml/2006/main">
   <p:cSld>
     <p:spTree>
@@ -25378,112 +27319,6 @@
       </p:grpSpPr>
       <p:sp>
         <p:nvSpPr>
-          <p:cNvPr id="3" name="Oval 2">
-            <a:extLst>
-              <a:ext uri="{FF2B5EF4-FFF2-40B4-BE49-F238E27FC236}">
-                <a16:creationId xmlns:a16="http://schemas.microsoft.com/office/drawing/2014/main" id="{D92F5389-9C31-F14F-9F75-50B358FC8684}"/>
-              </a:ext>
-            </a:extLst>
-          </p:cNvPr>
-          <p:cNvSpPr>
-            <a:spLocks noChangeAspect="1"/>
-          </p:cNvSpPr>
-          <p:nvPr/>
-        </p:nvSpPr>
-        <p:spPr>
-          <a:xfrm>
-            <a:off x="1978137" y="3886200"/>
-            <a:ext cx="914400" cy="914400"/>
-          </a:xfrm>
-          <a:prstGeom prst="ellipse">
-            <a:avLst/>
-          </a:prstGeom>
-          <a:ln w="127000">
-            <a:solidFill>
-              <a:schemeClr val="tx1"/>
-            </a:solidFill>
-          </a:ln>
-        </p:spPr>
-        <p:style>
-          <a:lnRef idx="2">
-            <a:schemeClr val="accent1">
-              <a:shade val="50000"/>
-            </a:schemeClr>
-          </a:lnRef>
-          <a:fillRef idx="1">
-            <a:schemeClr val="accent1"/>
-          </a:fillRef>
-          <a:effectRef idx="0">
-            <a:schemeClr val="accent1"/>
-          </a:effectRef>
-          <a:fontRef idx="minor">
-            <a:schemeClr val="lt1"/>
-          </a:fontRef>
-        </p:style>
-        <p:txBody>
-          <a:bodyPr rtlCol="0" anchor="ctr"/>
-          <a:lstStyle/>
-          <a:p>
-            <a:pPr algn="ctr"/>
-            <a:endParaRPr lang="en-US"/>
-          </a:p>
-        </p:txBody>
-      </p:sp>
-      <p:sp>
-        <p:nvSpPr>
-          <p:cNvPr id="45" name="Oval 44">
-            <a:extLst>
-              <a:ext uri="{FF2B5EF4-FFF2-40B4-BE49-F238E27FC236}">
-                <a16:creationId xmlns:a16="http://schemas.microsoft.com/office/drawing/2014/main" id="{87490342-6441-9B44-995C-E1DBB4EDE0CF}"/>
-              </a:ext>
-            </a:extLst>
-          </p:cNvPr>
-          <p:cNvSpPr>
-            <a:spLocks noChangeAspect="1"/>
-          </p:cNvSpPr>
-          <p:nvPr/>
-        </p:nvSpPr>
-        <p:spPr>
-          <a:xfrm>
-            <a:off x="2892537" y="3886200"/>
-            <a:ext cx="914400" cy="914400"/>
-          </a:xfrm>
-          <a:prstGeom prst="ellipse">
-            <a:avLst/>
-          </a:prstGeom>
-          <a:ln w="127000">
-            <a:solidFill>
-              <a:schemeClr val="tx1"/>
-            </a:solidFill>
-          </a:ln>
-        </p:spPr>
-        <p:style>
-          <a:lnRef idx="2">
-            <a:schemeClr val="accent1">
-              <a:shade val="50000"/>
-            </a:schemeClr>
-          </a:lnRef>
-          <a:fillRef idx="1">
-            <a:schemeClr val="accent1"/>
-          </a:fillRef>
-          <a:effectRef idx="0">
-            <a:schemeClr val="accent1"/>
-          </a:effectRef>
-          <a:fontRef idx="minor">
-            <a:schemeClr val="lt1"/>
-          </a:fontRef>
-        </p:style>
-        <p:txBody>
-          <a:bodyPr rtlCol="0" anchor="ctr"/>
-          <a:lstStyle/>
-          <a:p>
-            <a:pPr algn="ctr"/>
-            <a:endParaRPr lang="en-US"/>
-          </a:p>
-        </p:txBody>
-      </p:sp>
-      <p:sp>
-        <p:nvSpPr>
           <p:cNvPr id="46" name="Oval 45">
             <a:extLst>
               <a:ext uri="{FF2B5EF4-FFF2-40B4-BE49-F238E27FC236}">
@@ -25590,59 +27425,6 @@
       </p:sp>
       <p:sp>
         <p:nvSpPr>
-          <p:cNvPr id="48" name="Oval 47">
-            <a:extLst>
-              <a:ext uri="{FF2B5EF4-FFF2-40B4-BE49-F238E27FC236}">
-                <a16:creationId xmlns:a16="http://schemas.microsoft.com/office/drawing/2014/main" id="{F5DDD681-1416-9146-A3A3-9545C5A5933B}"/>
-              </a:ext>
-            </a:extLst>
-          </p:cNvPr>
-          <p:cNvSpPr>
-            <a:spLocks noChangeAspect="1"/>
-          </p:cNvSpPr>
-          <p:nvPr/>
-        </p:nvSpPr>
-        <p:spPr>
-          <a:xfrm>
-            <a:off x="5635737" y="3886200"/>
-            <a:ext cx="914400" cy="914400"/>
-          </a:xfrm>
-          <a:prstGeom prst="ellipse">
-            <a:avLst/>
-          </a:prstGeom>
-          <a:ln w="127000">
-            <a:solidFill>
-              <a:schemeClr val="tx1"/>
-            </a:solidFill>
-          </a:ln>
-        </p:spPr>
-        <p:style>
-          <a:lnRef idx="2">
-            <a:schemeClr val="accent1">
-              <a:shade val="50000"/>
-            </a:schemeClr>
-          </a:lnRef>
-          <a:fillRef idx="1">
-            <a:schemeClr val="accent1"/>
-          </a:fillRef>
-          <a:effectRef idx="0">
-            <a:schemeClr val="accent1"/>
-          </a:effectRef>
-          <a:fontRef idx="minor">
-            <a:schemeClr val="lt1"/>
-          </a:fontRef>
-        </p:style>
-        <p:txBody>
-          <a:bodyPr rtlCol="0" anchor="ctr"/>
-          <a:lstStyle/>
-          <a:p>
-            <a:pPr algn="ctr"/>
-            <a:endParaRPr lang="en-US"/>
-          </a:p>
-        </p:txBody>
-      </p:sp>
-      <p:sp>
-        <p:nvSpPr>
           <p:cNvPr id="49" name="Oval 48">
             <a:extLst>
               <a:ext uri="{FF2B5EF4-FFF2-40B4-BE49-F238E27FC236}">
@@ -25657,7 +27439,7 @@
         </p:nvSpPr>
         <p:spPr>
           <a:xfrm>
-            <a:off x="6550137" y="3886200"/>
+            <a:off x="5632704" y="3886200"/>
             <a:ext cx="914400" cy="914400"/>
           </a:xfrm>
           <a:prstGeom prst="ellipse">
@@ -25802,230 +27584,6 @@
       </p:sp>
       <p:sp>
         <p:nvSpPr>
-          <p:cNvPr id="52" name="Oval 51">
-            <a:extLst>
-              <a:ext uri="{FF2B5EF4-FFF2-40B4-BE49-F238E27FC236}">
-                <a16:creationId xmlns:a16="http://schemas.microsoft.com/office/drawing/2014/main" id="{D72BF718-EAC4-0946-9444-B9556A7B33B6}"/>
-              </a:ext>
-            </a:extLst>
-          </p:cNvPr>
-          <p:cNvSpPr>
-            <a:spLocks noChangeAspect="1"/>
-          </p:cNvSpPr>
-          <p:nvPr/>
-        </p:nvSpPr>
-        <p:spPr>
-          <a:xfrm>
-            <a:off x="1978137" y="2743200"/>
-            <a:ext cx="914400" cy="914400"/>
-          </a:xfrm>
-          <a:prstGeom prst="ellipse">
-            <a:avLst/>
-          </a:prstGeom>
-          <a:solidFill>
-            <a:srgbClr val="FF0000"/>
-          </a:solidFill>
-          <a:ln w="127000">
-            <a:solidFill>
-              <a:schemeClr val="tx1"/>
-            </a:solidFill>
-          </a:ln>
-        </p:spPr>
-        <p:style>
-          <a:lnRef idx="2">
-            <a:schemeClr val="accent1">
-              <a:shade val="50000"/>
-            </a:schemeClr>
-          </a:lnRef>
-          <a:fillRef idx="1">
-            <a:schemeClr val="accent1"/>
-          </a:fillRef>
-          <a:effectRef idx="0">
-            <a:schemeClr val="accent1"/>
-          </a:effectRef>
-          <a:fontRef idx="minor">
-            <a:schemeClr val="lt1"/>
-          </a:fontRef>
-        </p:style>
-        <p:txBody>
-          <a:bodyPr rtlCol="0" anchor="ctr"/>
-          <a:lstStyle/>
-          <a:p>
-            <a:pPr algn="ctr"/>
-            <a:endParaRPr lang="en-US" dirty="0"/>
-          </a:p>
-        </p:txBody>
-      </p:sp>
-      <p:sp>
-        <p:nvSpPr>
-          <p:cNvPr id="53" name="Oval 52">
-            <a:extLst>
-              <a:ext uri="{FF2B5EF4-FFF2-40B4-BE49-F238E27FC236}">
-                <a16:creationId xmlns:a16="http://schemas.microsoft.com/office/drawing/2014/main" id="{DAC21103-9B67-E345-B0C9-3C1E59A4EC5C}"/>
-              </a:ext>
-            </a:extLst>
-          </p:cNvPr>
-          <p:cNvSpPr>
-            <a:spLocks noChangeAspect="1"/>
-          </p:cNvSpPr>
-          <p:nvPr/>
-        </p:nvSpPr>
-        <p:spPr>
-          <a:xfrm>
-            <a:off x="9293337" y="2743200"/>
-            <a:ext cx="914400" cy="914400"/>
-          </a:xfrm>
-          <a:prstGeom prst="ellipse">
-            <a:avLst/>
-          </a:prstGeom>
-          <a:solidFill>
-            <a:srgbClr val="FF0000"/>
-          </a:solidFill>
-          <a:ln w="127000">
-            <a:solidFill>
-              <a:schemeClr val="tx1"/>
-            </a:solidFill>
-          </a:ln>
-        </p:spPr>
-        <p:style>
-          <a:lnRef idx="2">
-            <a:schemeClr val="accent1">
-              <a:shade val="50000"/>
-            </a:schemeClr>
-          </a:lnRef>
-          <a:fillRef idx="1">
-            <a:schemeClr val="accent1"/>
-          </a:fillRef>
-          <a:effectRef idx="0">
-            <a:schemeClr val="accent1"/>
-          </a:effectRef>
-          <a:fontRef idx="minor">
-            <a:schemeClr val="lt1"/>
-          </a:fontRef>
-        </p:style>
-        <p:txBody>
-          <a:bodyPr rtlCol="0" anchor="ctr"/>
-          <a:lstStyle/>
-          <a:p>
-            <a:pPr algn="ctr"/>
-            <a:endParaRPr lang="en-US"/>
-          </a:p>
-        </p:txBody>
-      </p:sp>
-      <p:sp>
-        <p:nvSpPr>
-          <p:cNvPr id="4" name="Oval 3">
-            <a:extLst>
-              <a:ext uri="{FF2B5EF4-FFF2-40B4-BE49-F238E27FC236}">
-                <a16:creationId xmlns:a16="http://schemas.microsoft.com/office/drawing/2014/main" id="{C36282B0-352B-CB4C-9BCD-CEE56543BAB6}"/>
-              </a:ext>
-            </a:extLst>
-          </p:cNvPr>
-          <p:cNvSpPr>
-            <a:spLocks noChangeAspect="1"/>
-          </p:cNvSpPr>
-          <p:nvPr/>
-        </p:nvSpPr>
-        <p:spPr>
-          <a:xfrm>
-            <a:off x="2892537" y="2743200"/>
-            <a:ext cx="1828800" cy="914400"/>
-          </a:xfrm>
-          <a:prstGeom prst="ellipse">
-            <a:avLst/>
-          </a:prstGeom>
-          <a:solidFill>
-            <a:srgbClr val="00B050"/>
-          </a:solidFill>
-          <a:ln w="127000">
-            <a:solidFill>
-              <a:schemeClr val="tx1"/>
-            </a:solidFill>
-          </a:ln>
-        </p:spPr>
-        <p:style>
-          <a:lnRef idx="2">
-            <a:schemeClr val="accent1">
-              <a:shade val="50000"/>
-            </a:schemeClr>
-          </a:lnRef>
-          <a:fillRef idx="1">
-            <a:schemeClr val="accent1"/>
-          </a:fillRef>
-          <a:effectRef idx="0">
-            <a:schemeClr val="accent1"/>
-          </a:effectRef>
-          <a:fontRef idx="minor">
-            <a:schemeClr val="lt1"/>
-          </a:fontRef>
-        </p:style>
-        <p:txBody>
-          <a:bodyPr rtlCol="0" anchor="ctr"/>
-          <a:lstStyle/>
-          <a:p>
-            <a:pPr algn="ctr"/>
-            <a:endParaRPr lang="en-US"/>
-          </a:p>
-        </p:txBody>
-      </p:sp>
-      <p:sp>
-        <p:nvSpPr>
-          <p:cNvPr id="54" name="Oval 53">
-            <a:extLst>
-              <a:ext uri="{FF2B5EF4-FFF2-40B4-BE49-F238E27FC236}">
-                <a16:creationId xmlns:a16="http://schemas.microsoft.com/office/drawing/2014/main" id="{C9A5F9DD-3048-3746-9B99-F9ABD64C1B3B}"/>
-              </a:ext>
-            </a:extLst>
-          </p:cNvPr>
-          <p:cNvSpPr>
-            <a:spLocks noChangeAspect="1"/>
-          </p:cNvSpPr>
-          <p:nvPr/>
-        </p:nvSpPr>
-        <p:spPr>
-          <a:xfrm>
-            <a:off x="7464537" y="2743200"/>
-            <a:ext cx="1828800" cy="914400"/>
-          </a:xfrm>
-          <a:prstGeom prst="ellipse">
-            <a:avLst/>
-          </a:prstGeom>
-          <a:solidFill>
-            <a:srgbClr val="00B050"/>
-          </a:solidFill>
-          <a:ln w="127000">
-            <a:solidFill>
-              <a:schemeClr val="tx1"/>
-            </a:solidFill>
-          </a:ln>
-        </p:spPr>
-        <p:style>
-          <a:lnRef idx="2">
-            <a:schemeClr val="accent1">
-              <a:shade val="50000"/>
-            </a:schemeClr>
-          </a:lnRef>
-          <a:fillRef idx="1">
-            <a:schemeClr val="accent1"/>
-          </a:fillRef>
-          <a:effectRef idx="0">
-            <a:schemeClr val="accent1"/>
-          </a:effectRef>
-          <a:fontRef idx="minor">
-            <a:schemeClr val="lt1"/>
-          </a:fontRef>
-        </p:style>
-        <p:txBody>
-          <a:bodyPr rtlCol="0" anchor="ctr"/>
-          <a:lstStyle/>
-          <a:p>
-            <a:pPr algn="ctr"/>
-            <a:endParaRPr lang="en-US"/>
-          </a:p>
-        </p:txBody>
-      </p:sp>
-      <p:sp>
-        <p:nvSpPr>
           <p:cNvPr id="55" name="Oval 54">
             <a:extLst>
               <a:ext uri="{FF2B5EF4-FFF2-40B4-BE49-F238E27FC236}">
@@ -26082,7 +27640,7 @@
           <p:cNvPr id="17" name="TextBox 16">
             <a:extLst>
               <a:ext uri="{FF2B5EF4-FFF2-40B4-BE49-F238E27FC236}">
-                <a16:creationId xmlns:a16="http://schemas.microsoft.com/office/drawing/2014/main" id="{D4A89CEF-616F-3340-A042-97AADA673D9B}"/>
+                <a16:creationId xmlns:a16="http://schemas.microsoft.com/office/drawing/2014/main" id="{14EBCD33-F7D4-CF49-8F32-C15C733729EB}"/>
               </a:ext>
             </a:extLst>
           </p:cNvPr>
@@ -26091,8 +27649,8 @@
         </p:nvSpPr>
         <p:spPr>
           <a:xfrm>
-            <a:off x="3499119" y="5033202"/>
-            <a:ext cx="5187639" cy="1754326"/>
+            <a:off x="611417" y="0"/>
+            <a:ext cx="8146013" cy="1200329"/>
           </a:xfrm>
           <a:prstGeom prst="rect">
             <a:avLst/>
@@ -26105,45 +27663,14 @@
           </a:bodyPr>
           <a:lstStyle/>
           <a:p>
-            <a:pPr algn="ctr"/>
             <a:r>
-              <a:rPr lang="en-US" sz="10800" dirty="0">
-                <a:latin typeface="Arial" panose="020B0604020202020204" pitchFamily="34" charset="0"/>
-                <a:cs typeface="Arial" panose="020B0604020202020204" pitchFamily="34" charset="0"/>
+              <a:rPr lang="en-US" sz="7200" b="1" dirty="0">
+                <a:solidFill>
+                  <a:srgbClr val="00B050"/>
+                </a:solidFill>
               </a:rPr>
-              <a:t>PHYS-2</a:t>
+              <a:t>6 existing </a:t>
             </a:r>
-          </a:p>
-        </p:txBody>
-      </p:sp>
-      <p:sp>
-        <p:nvSpPr>
-          <p:cNvPr id="18" name="TextBox 17">
-            <a:extLst>
-              <a:ext uri="{FF2B5EF4-FFF2-40B4-BE49-F238E27FC236}">
-                <a16:creationId xmlns:a16="http://schemas.microsoft.com/office/drawing/2014/main" id="{33E3B004-2F0E-4D48-9427-086E74B8B051}"/>
-              </a:ext>
-            </a:extLst>
-          </p:cNvPr>
-          <p:cNvSpPr txBox="1"/>
-          <p:nvPr/>
-        </p:nvSpPr>
-        <p:spPr>
-          <a:xfrm>
-            <a:off x="611417" y="0"/>
-            <a:ext cx="4322017" cy="1200329"/>
-          </a:xfrm>
-          <a:prstGeom prst="rect">
-            <a:avLst/>
-          </a:prstGeom>
-          <a:noFill/>
-        </p:spPr>
-        <p:txBody>
-          <a:bodyPr wrap="none" rtlCol="0">
-            <a:spAutoFit/>
-          </a:bodyPr>
-          <a:lstStyle/>
-          <a:p>
             <a:r>
               <a:rPr lang="en-US" sz="7200" b="1" dirty="0">
                 <a:solidFill>
@@ -26152,393 +27679,11 @@
               </a:rPr>
               <a:t>Do not use</a:t>
             </a:r>
-          </a:p>
-        </p:txBody>
-      </p:sp>
-    </p:spTree>
-    <p:extLst>
-      <p:ext uri="{BB962C8B-B14F-4D97-AF65-F5344CB8AC3E}">
-        <p14:creationId xmlns:p14="http://schemas.microsoft.com/office/powerpoint/2010/main" val="602615702"/>
-      </p:ext>
-    </p:extLst>
-  </p:cSld>
-  <p:clrMapOvr>
-    <a:masterClrMapping/>
-  </p:clrMapOvr>
-</p:sld>
-</file>
-
-<file path=ppt/slides/slide30.xml><?xml version="1.0" encoding="utf-8"?>
-<p:sld xmlns:a="http://schemas.openxmlformats.org/drawingml/2006/main" xmlns:r="http://schemas.openxmlformats.org/officeDocument/2006/relationships" xmlns:p="http://schemas.openxmlformats.org/presentationml/2006/main">
-  <p:cSld>
-    <p:spTree>
-      <p:nvGrpSpPr>
-        <p:cNvPr id="1" name=""/>
-        <p:cNvGrpSpPr/>
-        <p:nvPr/>
-      </p:nvGrpSpPr>
-      <p:grpSpPr>
-        <a:xfrm>
-          <a:off x="0" y="0"/>
-          <a:ext cx="0" cy="0"/>
-          <a:chOff x="0" y="0"/>
-          <a:chExt cx="0" cy="0"/>
-        </a:xfrm>
-      </p:grpSpPr>
-      <p:sp>
-        <p:nvSpPr>
-          <p:cNvPr id="46" name="Oval 45">
-            <a:extLst>
-              <a:ext uri="{FF2B5EF4-FFF2-40B4-BE49-F238E27FC236}">
-                <a16:creationId xmlns:a16="http://schemas.microsoft.com/office/drawing/2014/main" id="{4EE90636-BEBD-824D-BA83-A48EF8E570C7}"/>
-              </a:ext>
-            </a:extLst>
-          </p:cNvPr>
-          <p:cNvSpPr>
-            <a:spLocks noChangeAspect="1"/>
-          </p:cNvSpPr>
-          <p:nvPr/>
-        </p:nvSpPr>
-        <p:spPr>
-          <a:xfrm>
-            <a:off x="3806937" y="3886200"/>
-            <a:ext cx="914400" cy="914400"/>
-          </a:xfrm>
-          <a:prstGeom prst="ellipse">
-            <a:avLst/>
-          </a:prstGeom>
-          <a:ln w="127000">
-            <a:solidFill>
-              <a:schemeClr val="tx1"/>
-            </a:solidFill>
-          </a:ln>
-        </p:spPr>
-        <p:style>
-          <a:lnRef idx="2">
-            <a:schemeClr val="accent1">
-              <a:shade val="50000"/>
-            </a:schemeClr>
-          </a:lnRef>
-          <a:fillRef idx="1">
-            <a:schemeClr val="accent1"/>
-          </a:fillRef>
-          <a:effectRef idx="0">
-            <a:schemeClr val="accent1"/>
-          </a:effectRef>
-          <a:fontRef idx="minor">
-            <a:schemeClr val="lt1"/>
-          </a:fontRef>
-        </p:style>
-        <p:txBody>
-          <a:bodyPr rtlCol="0" anchor="ctr"/>
-          <a:lstStyle/>
-          <a:p>
-            <a:pPr algn="ctr"/>
-            <a:endParaRPr lang="en-US"/>
-          </a:p>
-        </p:txBody>
-      </p:sp>
-      <p:sp>
-        <p:nvSpPr>
-          <p:cNvPr id="47" name="Oval 46">
-            <a:extLst>
-              <a:ext uri="{FF2B5EF4-FFF2-40B4-BE49-F238E27FC236}">
-                <a16:creationId xmlns:a16="http://schemas.microsoft.com/office/drawing/2014/main" id="{D7521FBC-0879-3F48-8D2B-F41E6D22718B}"/>
-              </a:ext>
-            </a:extLst>
-          </p:cNvPr>
-          <p:cNvSpPr>
-            <a:spLocks noChangeAspect="1"/>
-          </p:cNvSpPr>
-          <p:nvPr/>
-        </p:nvSpPr>
-        <p:spPr>
-          <a:xfrm>
-            <a:off x="4721337" y="3886200"/>
-            <a:ext cx="914400" cy="914400"/>
-          </a:xfrm>
-          <a:prstGeom prst="ellipse">
-            <a:avLst/>
-          </a:prstGeom>
-          <a:ln w="127000">
-            <a:solidFill>
-              <a:schemeClr val="tx1"/>
-            </a:solidFill>
-          </a:ln>
-        </p:spPr>
-        <p:style>
-          <a:lnRef idx="2">
-            <a:schemeClr val="accent1">
-              <a:shade val="50000"/>
-            </a:schemeClr>
-          </a:lnRef>
-          <a:fillRef idx="1">
-            <a:schemeClr val="accent1"/>
-          </a:fillRef>
-          <a:effectRef idx="0">
-            <a:schemeClr val="accent1"/>
-          </a:effectRef>
-          <a:fontRef idx="minor">
-            <a:schemeClr val="lt1"/>
-          </a:fontRef>
-        </p:style>
-        <p:txBody>
-          <a:bodyPr rtlCol="0" anchor="ctr"/>
-          <a:lstStyle/>
-          <a:p>
-            <a:pPr algn="ctr"/>
-            <a:endParaRPr lang="en-US"/>
-          </a:p>
-        </p:txBody>
-      </p:sp>
-      <p:sp>
-        <p:nvSpPr>
-          <p:cNvPr id="49" name="Oval 48">
-            <a:extLst>
-              <a:ext uri="{FF2B5EF4-FFF2-40B4-BE49-F238E27FC236}">
-                <a16:creationId xmlns:a16="http://schemas.microsoft.com/office/drawing/2014/main" id="{9E8027B1-EC23-1A43-B7FF-1B6949518476}"/>
-              </a:ext>
-            </a:extLst>
-          </p:cNvPr>
-          <p:cNvSpPr>
-            <a:spLocks noChangeAspect="1"/>
-          </p:cNvSpPr>
-          <p:nvPr/>
-        </p:nvSpPr>
-        <p:spPr>
-          <a:xfrm>
-            <a:off x="5632704" y="3886200"/>
-            <a:ext cx="914400" cy="914400"/>
-          </a:xfrm>
-          <a:prstGeom prst="ellipse">
-            <a:avLst/>
-          </a:prstGeom>
-          <a:ln w="127000">
-            <a:solidFill>
-              <a:schemeClr val="tx1"/>
-            </a:solidFill>
-          </a:ln>
-        </p:spPr>
-        <p:style>
-          <a:lnRef idx="2">
-            <a:schemeClr val="accent1">
-              <a:shade val="50000"/>
-            </a:schemeClr>
-          </a:lnRef>
-          <a:fillRef idx="1">
-            <a:schemeClr val="accent1"/>
-          </a:fillRef>
-          <a:effectRef idx="0">
-            <a:schemeClr val="accent1"/>
-          </a:effectRef>
-          <a:fontRef idx="minor">
-            <a:schemeClr val="lt1"/>
-          </a:fontRef>
-        </p:style>
-        <p:txBody>
-          <a:bodyPr rtlCol="0" anchor="ctr"/>
-          <a:lstStyle/>
-          <a:p>
-            <a:pPr algn="ctr"/>
-            <a:endParaRPr lang="en-US"/>
-          </a:p>
-        </p:txBody>
-      </p:sp>
-      <p:sp>
-        <p:nvSpPr>
-          <p:cNvPr id="50" name="Oval 49">
-            <a:extLst>
-              <a:ext uri="{FF2B5EF4-FFF2-40B4-BE49-F238E27FC236}">
-                <a16:creationId xmlns:a16="http://schemas.microsoft.com/office/drawing/2014/main" id="{8FAD73D5-00CE-6F4C-8550-8C48FB3A9A97}"/>
-              </a:ext>
-            </a:extLst>
-          </p:cNvPr>
-          <p:cNvSpPr>
-            <a:spLocks noChangeAspect="1"/>
-          </p:cNvSpPr>
-          <p:nvPr/>
-        </p:nvSpPr>
-        <p:spPr>
-          <a:xfrm>
-            <a:off x="7464537" y="3886200"/>
-            <a:ext cx="914400" cy="914400"/>
-          </a:xfrm>
-          <a:prstGeom prst="ellipse">
-            <a:avLst/>
-          </a:prstGeom>
-          <a:ln w="127000">
-            <a:solidFill>
-              <a:schemeClr val="tx1"/>
-            </a:solidFill>
-          </a:ln>
-        </p:spPr>
-        <p:style>
-          <a:lnRef idx="2">
-            <a:schemeClr val="accent1">
-              <a:shade val="50000"/>
-            </a:schemeClr>
-          </a:lnRef>
-          <a:fillRef idx="1">
-            <a:schemeClr val="accent1"/>
-          </a:fillRef>
-          <a:effectRef idx="0">
-            <a:schemeClr val="accent1"/>
-          </a:effectRef>
-          <a:fontRef idx="minor">
-            <a:schemeClr val="lt1"/>
-          </a:fontRef>
-        </p:style>
-        <p:txBody>
-          <a:bodyPr rtlCol="0" anchor="ctr"/>
-          <a:lstStyle/>
-          <a:p>
-            <a:pPr algn="ctr"/>
-            <a:endParaRPr lang="en-US"/>
-          </a:p>
-        </p:txBody>
-      </p:sp>
-      <p:sp>
-        <p:nvSpPr>
-          <p:cNvPr id="51" name="Oval 50">
-            <a:extLst>
-              <a:ext uri="{FF2B5EF4-FFF2-40B4-BE49-F238E27FC236}">
-                <a16:creationId xmlns:a16="http://schemas.microsoft.com/office/drawing/2014/main" id="{BB4DF7A2-8DCE-EC41-AE42-CFB63A3C0179}"/>
-              </a:ext>
-            </a:extLst>
-          </p:cNvPr>
-          <p:cNvSpPr>
-            <a:spLocks noChangeAspect="1"/>
-          </p:cNvSpPr>
-          <p:nvPr/>
-        </p:nvSpPr>
-        <p:spPr>
-          <a:xfrm>
-            <a:off x="8378937" y="3886200"/>
-            <a:ext cx="914400" cy="914400"/>
-          </a:xfrm>
-          <a:prstGeom prst="ellipse">
-            <a:avLst/>
-          </a:prstGeom>
-          <a:ln w="127000">
-            <a:solidFill>
-              <a:schemeClr val="tx1"/>
-            </a:solidFill>
-          </a:ln>
-        </p:spPr>
-        <p:style>
-          <a:lnRef idx="2">
-            <a:schemeClr val="accent1">
-              <a:shade val="50000"/>
-            </a:schemeClr>
-          </a:lnRef>
-          <a:fillRef idx="1">
-            <a:schemeClr val="accent1"/>
-          </a:fillRef>
-          <a:effectRef idx="0">
-            <a:schemeClr val="accent1"/>
-          </a:effectRef>
-          <a:fontRef idx="minor">
-            <a:schemeClr val="lt1"/>
-          </a:fontRef>
-        </p:style>
-        <p:txBody>
-          <a:bodyPr rtlCol="0" anchor="ctr"/>
-          <a:lstStyle/>
-          <a:p>
-            <a:pPr algn="ctr"/>
-            <a:endParaRPr lang="en-US"/>
-          </a:p>
-        </p:txBody>
-      </p:sp>
-      <p:sp>
-        <p:nvSpPr>
-          <p:cNvPr id="55" name="Oval 54">
-            <a:extLst>
-              <a:ext uri="{FF2B5EF4-FFF2-40B4-BE49-F238E27FC236}">
-                <a16:creationId xmlns:a16="http://schemas.microsoft.com/office/drawing/2014/main" id="{91933C61-2867-7941-9CD6-93B6EA1F84BE}"/>
-              </a:ext>
-            </a:extLst>
-          </p:cNvPr>
-          <p:cNvSpPr>
-            <a:spLocks noChangeAspect="1"/>
-          </p:cNvSpPr>
-          <p:nvPr/>
-        </p:nvSpPr>
-        <p:spPr>
-          <a:xfrm>
-            <a:off x="9299462" y="3886200"/>
-            <a:ext cx="914400" cy="914400"/>
-          </a:xfrm>
-          <a:prstGeom prst="ellipse">
-            <a:avLst/>
-          </a:prstGeom>
-          <a:ln w="127000">
-            <a:solidFill>
-              <a:schemeClr val="tx1"/>
-            </a:solidFill>
-          </a:ln>
-        </p:spPr>
-        <p:style>
-          <a:lnRef idx="2">
-            <a:schemeClr val="accent1">
-              <a:shade val="50000"/>
-            </a:schemeClr>
-          </a:lnRef>
-          <a:fillRef idx="1">
-            <a:schemeClr val="accent1"/>
-          </a:fillRef>
-          <a:effectRef idx="0">
-            <a:schemeClr val="accent1"/>
-          </a:effectRef>
-          <a:fontRef idx="minor">
-            <a:schemeClr val="lt1"/>
-          </a:fontRef>
-        </p:style>
-        <p:txBody>
-          <a:bodyPr rtlCol="0" anchor="ctr"/>
-          <a:lstStyle/>
-          <a:p>
-            <a:pPr algn="ctr"/>
-            <a:endParaRPr lang="en-US"/>
-          </a:p>
-        </p:txBody>
-      </p:sp>
-      <p:sp>
-        <p:nvSpPr>
-          <p:cNvPr id="17" name="TextBox 16">
-            <a:extLst>
-              <a:ext uri="{FF2B5EF4-FFF2-40B4-BE49-F238E27FC236}">
-                <a16:creationId xmlns:a16="http://schemas.microsoft.com/office/drawing/2014/main" id="{14EBCD33-F7D4-CF49-8F32-C15C733729EB}"/>
-              </a:ext>
-            </a:extLst>
-          </p:cNvPr>
-          <p:cNvSpPr txBox="1"/>
-          <p:nvPr/>
-        </p:nvSpPr>
-        <p:spPr>
-          <a:xfrm>
-            <a:off x="611417" y="0"/>
-            <a:ext cx="3800271" cy="1200329"/>
-          </a:xfrm>
-          <a:prstGeom prst="rect">
-            <a:avLst/>
-          </a:prstGeom>
-          <a:noFill/>
-        </p:spPr>
-        <p:txBody>
-          <a:bodyPr wrap="none" rtlCol="0">
-            <a:spAutoFit/>
-          </a:bodyPr>
-          <a:lstStyle/>
-          <a:p>
-            <a:r>
-              <a:rPr lang="en-US" sz="7200" b="1" dirty="0">
-                <a:solidFill>
-                  <a:srgbClr val="00B050"/>
-                </a:solidFill>
-              </a:rPr>
-              <a:t>6 existing</a:t>
-            </a:r>
+            <a:endParaRPr lang="en-US" sz="7200" b="1" dirty="0">
+              <a:solidFill>
+                <a:srgbClr val="00B050"/>
+              </a:solidFill>
+            </a:endParaRPr>
           </a:p>
         </p:txBody>
       </p:sp>
@@ -27149,7 +28294,7 @@
 </p:sld>
 </file>
 
-<file path=ppt/slides/slide31.xml><?xml version="1.0" encoding="utf-8"?>
+<file path=ppt/slides/slide32.xml><?xml version="1.0" encoding="utf-8"?>
 <p:sld xmlns:a="http://schemas.openxmlformats.org/drawingml/2006/main" xmlns:r="http://schemas.openxmlformats.org/officeDocument/2006/relationships" xmlns:p="http://schemas.openxmlformats.org/presentationml/2006/main">
   <p:cSld>
     <p:spTree>
@@ -27712,8 +28857,8 @@
         </p:nvSpPr>
         <p:spPr>
           <a:xfrm>
-            <a:off x="2841174" y="5029200"/>
-            <a:ext cx="6497292" cy="1754326"/>
+            <a:off x="3612220" y="5029200"/>
+            <a:ext cx="4955203" cy="1754326"/>
           </a:xfrm>
           <a:prstGeom prst="rect">
             <a:avLst/>
@@ -27732,7 +28877,7 @@
                 <a:latin typeface="Arial" panose="020B0604020202020204" pitchFamily="34" charset="0"/>
                 <a:cs typeface="Arial" panose="020B0604020202020204" pitchFamily="34" charset="0"/>
               </a:rPr>
-              <a:t>X-DHAL-2</a:t>
+              <a:t>X-SING</a:t>
             </a:r>
           </a:p>
         </p:txBody>
@@ -28175,7 +29320,7 @@
 </p:sld>
 </file>
 
-<file path=ppt/slides/slide32.xml><?xml version="1.0" encoding="utf-8"?>
+<file path=ppt/slides/slide33.xml><?xml version="1.0" encoding="utf-8"?>
 <p:sld xmlns:a="http://schemas.openxmlformats.org/drawingml/2006/main" xmlns:r="http://schemas.openxmlformats.org/officeDocument/2006/relationships" xmlns:p="http://schemas.openxmlformats.org/presentationml/2006/main">
   <p:cSld>
     <p:spTree>
@@ -29200,7 +30345,7 @@
 </p:sld>
 </file>
 
-<file path=ppt/slides/slide33.xml><?xml version="1.0" encoding="utf-8"?>
+<file path=ppt/slides/slide34.xml><?xml version="1.0" encoding="utf-8"?>
 <p:sld xmlns:a="http://schemas.openxmlformats.org/drawingml/2006/main" xmlns:r="http://schemas.openxmlformats.org/officeDocument/2006/relationships" xmlns:p="http://schemas.openxmlformats.org/presentationml/2006/main">
   <p:cSld>
     <p:spTree>
@@ -30281,7 +31426,7 @@
 </p:sld>
 </file>
 
-<file path=ppt/slides/slide34.xml><?xml version="1.0" encoding="utf-8"?>
+<file path=ppt/slides/slide35.xml><?xml version="1.0" encoding="utf-8"?>
 <p:sld xmlns:a="http://schemas.openxmlformats.org/drawingml/2006/main" xmlns:r="http://schemas.openxmlformats.org/officeDocument/2006/relationships" xmlns:p="http://schemas.openxmlformats.org/presentationml/2006/main">
   <p:cSld>
     <p:spTree>
@@ -31217,7 +32362,7 @@
 </p:sld>
 </file>
 
-<file path=ppt/slides/slide35.xml><?xml version="1.0" encoding="utf-8"?>
+<file path=ppt/slides/slide36.xml><?xml version="1.0" encoding="utf-8"?>
 <p:sld xmlns:a="http://schemas.openxmlformats.org/drawingml/2006/main" xmlns:r="http://schemas.openxmlformats.org/officeDocument/2006/relationships" xmlns:p="http://schemas.openxmlformats.org/presentationml/2006/main">
   <p:cSld>
     <p:spTree>
@@ -31987,7 +33132,7 @@
 </p:sld>
 </file>
 
-<file path=ppt/slides/slide36.xml><?xml version="1.0" encoding="utf-8"?>
+<file path=ppt/slides/slide37.xml><?xml version="1.0" encoding="utf-8"?>
 <p:sld xmlns:a="http://schemas.openxmlformats.org/drawingml/2006/main" xmlns:r="http://schemas.openxmlformats.org/officeDocument/2006/relationships" xmlns:p="http://schemas.openxmlformats.org/presentationml/2006/main">
   <p:cSld>
     <p:spTree>
@@ -32750,7 +33895,7 @@
 </p:sld>
 </file>
 
-<file path=ppt/slides/slide37.xml><?xml version="1.0" encoding="utf-8"?>
+<file path=ppt/slides/slide38.xml><?xml version="1.0" encoding="utf-8"?>
 <p:sld xmlns:a="http://schemas.openxmlformats.org/drawingml/2006/main" xmlns:r="http://schemas.openxmlformats.org/officeDocument/2006/relationships" xmlns:p="http://schemas.openxmlformats.org/presentationml/2006/main">
   <p:cSld>
     <p:spTree>
@@ -33670,7 +34815,7 @@
 </p:sld>
 </file>
 
-<file path=ppt/slides/slide38.xml><?xml version="1.0" encoding="utf-8"?>
+<file path=ppt/slides/slide39.xml><?xml version="1.0" encoding="utf-8"?>
 <p:sld xmlns:a="http://schemas.openxmlformats.org/drawingml/2006/main" xmlns:r="http://schemas.openxmlformats.org/officeDocument/2006/relationships" xmlns:p="http://schemas.openxmlformats.org/presentationml/2006/main">
   <p:cSld>
     <p:spTree>

--- a/Labels/labels.pptx
+++ b/Labels/labels.pptx
@@ -241,7 +241,7 @@
           <a:p>
             <a:fld id="{C0A3C964-1FDA-FF4D-B88A-82651D6186F1}" type="datetimeFigureOut">
               <a:rPr lang="en-US" smtClean="0"/>
-              <a:t>8/30/21</a:t>
+              <a:t>10/18/21</a:t>
             </a:fld>
             <a:endParaRPr lang="en-US"/>
           </a:p>
@@ -4599,7 +4599,7 @@
           <a:p>
             <a:fld id="{C9D9FE3B-EC58-5549-AF65-699B5C67D369}" type="datetimeFigureOut">
               <a:rPr lang="en-US" smtClean="0"/>
-              <a:t>8/30/21</a:t>
+              <a:t>10/18/21</a:t>
             </a:fld>
             <a:endParaRPr lang="en-US"/>
           </a:p>
@@ -4797,7 +4797,7 @@
           <a:p>
             <a:fld id="{C9D9FE3B-EC58-5549-AF65-699B5C67D369}" type="datetimeFigureOut">
               <a:rPr lang="en-US" smtClean="0"/>
-              <a:t>8/30/21</a:t>
+              <a:t>10/18/21</a:t>
             </a:fld>
             <a:endParaRPr lang="en-US"/>
           </a:p>
@@ -5005,7 +5005,7 @@
           <a:p>
             <a:fld id="{C9D9FE3B-EC58-5549-AF65-699B5C67D369}" type="datetimeFigureOut">
               <a:rPr lang="en-US" smtClean="0"/>
-              <a:t>8/30/21</a:t>
+              <a:t>10/18/21</a:t>
             </a:fld>
             <a:endParaRPr lang="en-US"/>
           </a:p>
@@ -5203,7 +5203,7 @@
           <a:p>
             <a:fld id="{C9D9FE3B-EC58-5549-AF65-699B5C67D369}" type="datetimeFigureOut">
               <a:rPr lang="en-US" smtClean="0"/>
-              <a:t>8/30/21</a:t>
+              <a:t>10/18/21</a:t>
             </a:fld>
             <a:endParaRPr lang="en-US"/>
           </a:p>
@@ -5478,7 +5478,7 @@
           <a:p>
             <a:fld id="{C9D9FE3B-EC58-5549-AF65-699B5C67D369}" type="datetimeFigureOut">
               <a:rPr lang="en-US" smtClean="0"/>
-              <a:t>8/30/21</a:t>
+              <a:t>10/18/21</a:t>
             </a:fld>
             <a:endParaRPr lang="en-US"/>
           </a:p>
@@ -5743,7 +5743,7 @@
           <a:p>
             <a:fld id="{C9D9FE3B-EC58-5549-AF65-699B5C67D369}" type="datetimeFigureOut">
               <a:rPr lang="en-US" smtClean="0"/>
-              <a:t>8/30/21</a:t>
+              <a:t>10/18/21</a:t>
             </a:fld>
             <a:endParaRPr lang="en-US"/>
           </a:p>
@@ -6155,7 +6155,7 @@
           <a:p>
             <a:fld id="{C9D9FE3B-EC58-5549-AF65-699B5C67D369}" type="datetimeFigureOut">
               <a:rPr lang="en-US" smtClean="0"/>
-              <a:t>8/30/21</a:t>
+              <a:t>10/18/21</a:t>
             </a:fld>
             <a:endParaRPr lang="en-US"/>
           </a:p>
@@ -6296,7 +6296,7 @@
           <a:p>
             <a:fld id="{C9D9FE3B-EC58-5549-AF65-699B5C67D369}" type="datetimeFigureOut">
               <a:rPr lang="en-US" smtClean="0"/>
-              <a:t>8/30/21</a:t>
+              <a:t>10/18/21</a:t>
             </a:fld>
             <a:endParaRPr lang="en-US"/>
           </a:p>
@@ -6409,7 +6409,7 @@
           <a:p>
             <a:fld id="{C9D9FE3B-EC58-5549-AF65-699B5C67D369}" type="datetimeFigureOut">
               <a:rPr lang="en-US" smtClean="0"/>
-              <a:t>8/30/21</a:t>
+              <a:t>10/18/21</a:t>
             </a:fld>
             <a:endParaRPr lang="en-US"/>
           </a:p>
@@ -6720,7 +6720,7 @@
           <a:p>
             <a:fld id="{C9D9FE3B-EC58-5549-AF65-699B5C67D369}" type="datetimeFigureOut">
               <a:rPr lang="en-US" smtClean="0"/>
-              <a:t>8/30/21</a:t>
+              <a:t>10/18/21</a:t>
             </a:fld>
             <a:endParaRPr lang="en-US"/>
           </a:p>
@@ -7008,7 +7008,7 @@
           <a:p>
             <a:fld id="{C9D9FE3B-EC58-5549-AF65-699B5C67D369}" type="datetimeFigureOut">
               <a:rPr lang="en-US" smtClean="0"/>
-              <a:t>8/30/21</a:t>
+              <a:t>10/18/21</a:t>
             </a:fld>
             <a:endParaRPr lang="en-US"/>
           </a:p>
@@ -7249,7 +7249,7 @@
           <a:p>
             <a:fld id="{C9D9FE3B-EC58-5549-AF65-699B5C67D369}" type="datetimeFigureOut">
               <a:rPr lang="en-US" smtClean="0"/>
-              <a:t>8/30/21</a:t>
+              <a:t>10/18/21</a:t>
             </a:fld>
             <a:endParaRPr lang="en-US"/>
           </a:p>
@@ -9561,6 +9561,14 @@
 <file path=ppt/slides/slide12.xml><?xml version="1.0" encoding="utf-8"?>
 <p:sld xmlns:a="http://schemas.openxmlformats.org/drawingml/2006/main" xmlns:r="http://schemas.openxmlformats.org/officeDocument/2006/relationships" xmlns:p="http://schemas.openxmlformats.org/presentationml/2006/main">
   <p:cSld>
+    <p:bg>
+      <p:bgPr>
+        <a:solidFill>
+          <a:srgbClr val="FFC000"/>
+        </a:solidFill>
+        <a:effectLst/>
+      </p:bgPr>
+    </p:bg>
     <p:spTree>
       <p:nvGrpSpPr>
         <p:cNvPr id="1" name=""/>
@@ -12942,6 +12950,14 @@
 <file path=ppt/slides/slide16.xml><?xml version="1.0" encoding="utf-8"?>
 <p:sld xmlns:a="http://schemas.openxmlformats.org/drawingml/2006/main" xmlns:r="http://schemas.openxmlformats.org/officeDocument/2006/relationships" xmlns:p="http://schemas.openxmlformats.org/presentationml/2006/main">
   <p:cSld>
+    <p:bg>
+      <p:bgPr>
+        <a:solidFill>
+          <a:srgbClr val="FFC000"/>
+        </a:solidFill>
+        <a:effectLst/>
+      </p:bgPr>
+    </p:bg>
     <p:spTree>
       <p:nvGrpSpPr>
         <p:cNvPr id="1" name=""/>
@@ -14787,6 +14803,14 @@
 <file path=ppt/slides/slide18.xml><?xml version="1.0" encoding="utf-8"?>
 <p:sld xmlns:a="http://schemas.openxmlformats.org/drawingml/2006/main" xmlns:r="http://schemas.openxmlformats.org/officeDocument/2006/relationships" xmlns:p="http://schemas.openxmlformats.org/presentationml/2006/main">
   <p:cSld>
+    <p:bg>
+      <p:bgPr>
+        <a:solidFill>
+          <a:srgbClr val="FFC000"/>
+        </a:solidFill>
+        <a:effectLst/>
+      </p:bgPr>
+    </p:bg>
     <p:spTree>
       <p:nvGrpSpPr>
         <p:cNvPr id="1" name=""/>
@@ -19646,6 +19670,14 @@
 <file path=ppt/slides/slide23.xml><?xml version="1.0" encoding="utf-8"?>
 <p:sld xmlns:a="http://schemas.openxmlformats.org/drawingml/2006/main" xmlns:r="http://schemas.openxmlformats.org/officeDocument/2006/relationships" xmlns:p="http://schemas.openxmlformats.org/presentationml/2006/main">
   <p:cSld>
+    <p:bg>
+      <p:bgPr>
+        <a:solidFill>
+          <a:srgbClr val="FFC000"/>
+        </a:solidFill>
+        <a:effectLst/>
+      </p:bgPr>
+    </p:bg>
     <p:spTree>
       <p:nvGrpSpPr>
         <p:cNvPr id="1" name=""/>
@@ -35041,6 +35073,14 @@
 <file path=ppt/slides/slide38.xml><?xml version="1.0" encoding="utf-8"?>
 <p:sld xmlns:a="http://schemas.openxmlformats.org/drawingml/2006/main" xmlns:r="http://schemas.openxmlformats.org/officeDocument/2006/relationships" xmlns:p="http://schemas.openxmlformats.org/presentationml/2006/main">
   <p:cSld>
+    <p:bg>
+      <p:bgPr>
+        <a:solidFill>
+          <a:srgbClr val="FFC000"/>
+        </a:solidFill>
+        <a:effectLst/>
+      </p:bgPr>
+    </p:bg>
     <p:spTree>
       <p:nvGrpSpPr>
         <p:cNvPr id="1" name=""/>
@@ -36122,6 +36162,14 @@
 <file path=ppt/slides/slide39.xml><?xml version="1.0" encoding="utf-8"?>
 <p:sld xmlns:a="http://schemas.openxmlformats.org/drawingml/2006/main" xmlns:r="http://schemas.openxmlformats.org/officeDocument/2006/relationships" xmlns:p="http://schemas.openxmlformats.org/presentationml/2006/main">
   <p:cSld>
+    <p:bg>
+      <p:bgPr>
+        <a:solidFill>
+          <a:srgbClr val="FFC000"/>
+        </a:solidFill>
+        <a:effectLst/>
+      </p:bgPr>
+    </p:bg>
     <p:spTree>
       <p:nvGrpSpPr>
         <p:cNvPr id="1" name=""/>
@@ -37256,6 +37304,14 @@
 <file path=ppt/slides/slide4.xml><?xml version="1.0" encoding="utf-8"?>
 <p:sld xmlns:a="http://schemas.openxmlformats.org/drawingml/2006/main" xmlns:r="http://schemas.openxmlformats.org/officeDocument/2006/relationships" xmlns:p="http://schemas.openxmlformats.org/presentationml/2006/main">
   <p:cSld>
+    <p:bg>
+      <p:bgPr>
+        <a:solidFill>
+          <a:srgbClr val="FFC000"/>
+        </a:solidFill>
+        <a:effectLst/>
+      </p:bgPr>
+    </p:bg>
     <p:spTree>
       <p:nvGrpSpPr>
         <p:cNvPr id="1" name=""/>
@@ -40022,6 +40078,14 @@
 <file path=ppt/slides/slide42.xml><?xml version="1.0" encoding="utf-8"?>
 <p:sld xmlns:a="http://schemas.openxmlformats.org/drawingml/2006/main" xmlns:r="http://schemas.openxmlformats.org/officeDocument/2006/relationships" xmlns:p="http://schemas.openxmlformats.org/presentationml/2006/main">
   <p:cSld>
+    <p:bg>
+      <p:bgPr>
+        <a:solidFill>
+          <a:srgbClr val="FFC000"/>
+        </a:solidFill>
+        <a:effectLst/>
+      </p:bgPr>
+    </p:bg>
     <p:spTree>
       <p:nvGrpSpPr>
         <p:cNvPr id="1" name=""/>
@@ -42475,6 +42539,14 @@
 <file path=ppt/slides/slide45.xml><?xml version="1.0" encoding="utf-8"?>
 <p:sld xmlns:a="http://schemas.openxmlformats.org/drawingml/2006/main" xmlns:r="http://schemas.openxmlformats.org/officeDocument/2006/relationships" xmlns:p="http://schemas.openxmlformats.org/presentationml/2006/main">
   <p:cSld>
+    <p:bg>
+      <p:bgPr>
+        <a:solidFill>
+          <a:srgbClr val="FFC000"/>
+        </a:solidFill>
+        <a:effectLst/>
+      </p:bgPr>
+    </p:bg>
     <p:spTree>
       <p:nvGrpSpPr>
         <p:cNvPr id="1" name=""/>
@@ -45761,6 +45833,14 @@
 <file path=ppt/slides/slide8.xml><?xml version="1.0" encoding="utf-8"?>
 <p:sld xmlns:a="http://schemas.openxmlformats.org/drawingml/2006/main" xmlns:r="http://schemas.openxmlformats.org/officeDocument/2006/relationships" xmlns:p="http://schemas.openxmlformats.org/presentationml/2006/main">
   <p:cSld>
+    <p:bg>
+      <p:bgPr>
+        <a:solidFill>
+          <a:srgbClr val="FFC000"/>
+        </a:solidFill>
+        <a:effectLst/>
+      </p:bgPr>
+    </p:bg>
     <p:spTree>
       <p:nvGrpSpPr>
         <p:cNvPr id="1" name=""/>
